--- a/Презентаци АИС гостницы.pptx
+++ b/Презентаци АИС гостницы.pptx
@@ -126,6 +126,11 @@
       </a:defRPr>
     </a:lvl9pPr>
   </p:defaultTextStyle>
+  <p:extLst>
+    <p:ext uri="{EFAFB233-063F-42B5-8137-9DF3F51BA10A}">
+      <p15:sldGuideLst xmlns:p15="http://schemas.microsoft.com/office/powerpoint/2012/main"/>
+    </p:ext>
+  </p:extLst>
 </p:presentation>
 </file>
 
@@ -276,7 +281,7 @@
           <a:p>
             <a:fld id="{6264B4A3-6FF0-4FA7-812F-D268CE64A189}" type="datetimeFigureOut">
               <a:rPr lang="ru-RU" smtClean="0"/>
-              <a:t>10.12.2024</a:t>
+              <a:t>11.12.2024</a:t>
             </a:fld>
             <a:endParaRPr lang="ru-RU"/>
           </a:p>
@@ -474,7 +479,7 @@
           <a:p>
             <a:fld id="{6264B4A3-6FF0-4FA7-812F-D268CE64A189}" type="datetimeFigureOut">
               <a:rPr lang="ru-RU" smtClean="0"/>
-              <a:t>10.12.2024</a:t>
+              <a:t>11.12.2024</a:t>
             </a:fld>
             <a:endParaRPr lang="ru-RU"/>
           </a:p>
@@ -682,7 +687,7 @@
           <a:p>
             <a:fld id="{6264B4A3-6FF0-4FA7-812F-D268CE64A189}" type="datetimeFigureOut">
               <a:rPr lang="ru-RU" smtClean="0"/>
-              <a:t>10.12.2024</a:t>
+              <a:t>11.12.2024</a:t>
             </a:fld>
             <a:endParaRPr lang="ru-RU"/>
           </a:p>
@@ -880,7 +885,7 @@
           <a:p>
             <a:fld id="{6264B4A3-6FF0-4FA7-812F-D268CE64A189}" type="datetimeFigureOut">
               <a:rPr lang="ru-RU" smtClean="0"/>
-              <a:t>10.12.2024</a:t>
+              <a:t>11.12.2024</a:t>
             </a:fld>
             <a:endParaRPr lang="ru-RU"/>
           </a:p>
@@ -1155,7 +1160,7 @@
           <a:p>
             <a:fld id="{6264B4A3-6FF0-4FA7-812F-D268CE64A189}" type="datetimeFigureOut">
               <a:rPr lang="ru-RU" smtClean="0"/>
-              <a:t>10.12.2024</a:t>
+              <a:t>11.12.2024</a:t>
             </a:fld>
             <a:endParaRPr lang="ru-RU"/>
           </a:p>
@@ -1420,7 +1425,7 @@
           <a:p>
             <a:fld id="{6264B4A3-6FF0-4FA7-812F-D268CE64A189}" type="datetimeFigureOut">
               <a:rPr lang="ru-RU" smtClean="0"/>
-              <a:t>10.12.2024</a:t>
+              <a:t>11.12.2024</a:t>
             </a:fld>
             <a:endParaRPr lang="ru-RU"/>
           </a:p>
@@ -1832,7 +1837,7 @@
           <a:p>
             <a:fld id="{6264B4A3-6FF0-4FA7-812F-D268CE64A189}" type="datetimeFigureOut">
               <a:rPr lang="ru-RU" smtClean="0"/>
-              <a:t>10.12.2024</a:t>
+              <a:t>11.12.2024</a:t>
             </a:fld>
             <a:endParaRPr lang="ru-RU"/>
           </a:p>
@@ -1973,7 +1978,7 @@
           <a:p>
             <a:fld id="{6264B4A3-6FF0-4FA7-812F-D268CE64A189}" type="datetimeFigureOut">
               <a:rPr lang="ru-RU" smtClean="0"/>
-              <a:t>10.12.2024</a:t>
+              <a:t>11.12.2024</a:t>
             </a:fld>
             <a:endParaRPr lang="ru-RU"/>
           </a:p>
@@ -2086,7 +2091,7 @@
           <a:p>
             <a:fld id="{6264B4A3-6FF0-4FA7-812F-D268CE64A189}" type="datetimeFigureOut">
               <a:rPr lang="ru-RU" smtClean="0"/>
-              <a:t>10.12.2024</a:t>
+              <a:t>11.12.2024</a:t>
             </a:fld>
             <a:endParaRPr lang="ru-RU"/>
           </a:p>
@@ -2397,7 +2402,7 @@
           <a:p>
             <a:fld id="{6264B4A3-6FF0-4FA7-812F-D268CE64A189}" type="datetimeFigureOut">
               <a:rPr lang="ru-RU" smtClean="0"/>
-              <a:t>10.12.2024</a:t>
+              <a:t>11.12.2024</a:t>
             </a:fld>
             <a:endParaRPr lang="ru-RU"/>
           </a:p>
@@ -2685,7 +2690,7 @@
           <a:p>
             <a:fld id="{6264B4A3-6FF0-4FA7-812F-D268CE64A189}" type="datetimeFigureOut">
               <a:rPr lang="ru-RU" smtClean="0"/>
-              <a:t>10.12.2024</a:t>
+              <a:t>11.12.2024</a:t>
             </a:fld>
             <a:endParaRPr lang="ru-RU"/>
           </a:p>
@@ -2926,7 +2931,7 @@
           <a:p>
             <a:fld id="{6264B4A3-6FF0-4FA7-812F-D268CE64A189}" type="datetimeFigureOut">
               <a:rPr lang="ru-RU" smtClean="0"/>
-              <a:t>10.12.2024</a:t>
+              <a:t>11.12.2024</a:t>
             </a:fld>
             <a:endParaRPr lang="ru-RU"/>
           </a:p>

--- a/Презентаци АИС гостницы.pptx
+++ b/Презентаци АИС гостницы.pptx
@@ -281,7 +281,7 @@
           <a:p>
             <a:fld id="{6264B4A3-6FF0-4FA7-812F-D268CE64A189}" type="datetimeFigureOut">
               <a:rPr lang="ru-RU" smtClean="0"/>
-              <a:t>11.12.2024</a:t>
+              <a:t>13.12.2024</a:t>
             </a:fld>
             <a:endParaRPr lang="ru-RU"/>
           </a:p>
@@ -479,7 +479,7 @@
           <a:p>
             <a:fld id="{6264B4A3-6FF0-4FA7-812F-D268CE64A189}" type="datetimeFigureOut">
               <a:rPr lang="ru-RU" smtClean="0"/>
-              <a:t>11.12.2024</a:t>
+              <a:t>13.12.2024</a:t>
             </a:fld>
             <a:endParaRPr lang="ru-RU"/>
           </a:p>
@@ -687,7 +687,7 @@
           <a:p>
             <a:fld id="{6264B4A3-6FF0-4FA7-812F-D268CE64A189}" type="datetimeFigureOut">
               <a:rPr lang="ru-RU" smtClean="0"/>
-              <a:t>11.12.2024</a:t>
+              <a:t>13.12.2024</a:t>
             </a:fld>
             <a:endParaRPr lang="ru-RU"/>
           </a:p>
@@ -885,7 +885,7 @@
           <a:p>
             <a:fld id="{6264B4A3-6FF0-4FA7-812F-D268CE64A189}" type="datetimeFigureOut">
               <a:rPr lang="ru-RU" smtClean="0"/>
-              <a:t>11.12.2024</a:t>
+              <a:t>13.12.2024</a:t>
             </a:fld>
             <a:endParaRPr lang="ru-RU"/>
           </a:p>
@@ -1160,7 +1160,7 @@
           <a:p>
             <a:fld id="{6264B4A3-6FF0-4FA7-812F-D268CE64A189}" type="datetimeFigureOut">
               <a:rPr lang="ru-RU" smtClean="0"/>
-              <a:t>11.12.2024</a:t>
+              <a:t>13.12.2024</a:t>
             </a:fld>
             <a:endParaRPr lang="ru-RU"/>
           </a:p>
@@ -1425,7 +1425,7 @@
           <a:p>
             <a:fld id="{6264B4A3-6FF0-4FA7-812F-D268CE64A189}" type="datetimeFigureOut">
               <a:rPr lang="ru-RU" smtClean="0"/>
-              <a:t>11.12.2024</a:t>
+              <a:t>13.12.2024</a:t>
             </a:fld>
             <a:endParaRPr lang="ru-RU"/>
           </a:p>
@@ -1837,7 +1837,7 @@
           <a:p>
             <a:fld id="{6264B4A3-6FF0-4FA7-812F-D268CE64A189}" type="datetimeFigureOut">
               <a:rPr lang="ru-RU" smtClean="0"/>
-              <a:t>11.12.2024</a:t>
+              <a:t>13.12.2024</a:t>
             </a:fld>
             <a:endParaRPr lang="ru-RU"/>
           </a:p>
@@ -1978,7 +1978,7 @@
           <a:p>
             <a:fld id="{6264B4A3-6FF0-4FA7-812F-D268CE64A189}" type="datetimeFigureOut">
               <a:rPr lang="ru-RU" smtClean="0"/>
-              <a:t>11.12.2024</a:t>
+              <a:t>13.12.2024</a:t>
             </a:fld>
             <a:endParaRPr lang="ru-RU"/>
           </a:p>
@@ -2091,7 +2091,7 @@
           <a:p>
             <a:fld id="{6264B4A3-6FF0-4FA7-812F-D268CE64A189}" type="datetimeFigureOut">
               <a:rPr lang="ru-RU" smtClean="0"/>
-              <a:t>11.12.2024</a:t>
+              <a:t>13.12.2024</a:t>
             </a:fld>
             <a:endParaRPr lang="ru-RU"/>
           </a:p>
@@ -2402,7 +2402,7 @@
           <a:p>
             <a:fld id="{6264B4A3-6FF0-4FA7-812F-D268CE64A189}" type="datetimeFigureOut">
               <a:rPr lang="ru-RU" smtClean="0"/>
-              <a:t>11.12.2024</a:t>
+              <a:t>13.12.2024</a:t>
             </a:fld>
             <a:endParaRPr lang="ru-RU"/>
           </a:p>
@@ -2690,7 +2690,7 @@
           <a:p>
             <a:fld id="{6264B4A3-6FF0-4FA7-812F-D268CE64A189}" type="datetimeFigureOut">
               <a:rPr lang="ru-RU" smtClean="0"/>
-              <a:t>11.12.2024</a:t>
+              <a:t>13.12.2024</a:t>
             </a:fld>
             <a:endParaRPr lang="ru-RU"/>
           </a:p>
@@ -2931,7 +2931,7 @@
           <a:p>
             <a:fld id="{6264B4A3-6FF0-4FA7-812F-D268CE64A189}" type="datetimeFigureOut">
               <a:rPr lang="ru-RU" smtClean="0"/>
-              <a:t>11.12.2024</a:t>
+              <a:t>13.12.2024</a:t>
             </a:fld>
             <a:endParaRPr lang="ru-RU"/>
           </a:p>
@@ -3621,7 +3621,12 @@
             <p:ph type="title"/>
           </p:nvPr>
         </p:nvSpPr>
-        <p:spPr/>
+        <p:spPr>
+          <a:xfrm>
+            <a:off x="838200" y="18255"/>
+            <a:ext cx="10515600" cy="1325563"/>
+          </a:xfrm>
+        </p:spPr>
         <p:txBody>
           <a:bodyPr/>
           <a:lstStyle/>
@@ -3666,7 +3671,12 @@
             <p:ph idx="1"/>
           </p:nvPr>
         </p:nvSpPr>
-        <p:spPr/>
+        <p:spPr>
+          <a:xfrm>
+            <a:off x="838200" y="1343818"/>
+            <a:ext cx="10515600" cy="4833145"/>
+          </a:xfrm>
+        </p:spPr>
         <p:txBody>
           <a:bodyPr/>
           <a:lstStyle/>
@@ -3697,9 +3707,20 @@
             </a:r>
           </a:p>
           <a:p>
-            <a:pPr marL="0" indent="0">
-              <a:buNone/>
-            </a:pPr>
+            <a:r>
+              <a:rPr lang="ru-RU" dirty="0">
+                <a:latin typeface="Times New Roman" panose="02020603050405020304" pitchFamily="18" charset="0"/>
+                <a:cs typeface="Times New Roman" panose="02020603050405020304" pitchFamily="18" charset="0"/>
+              </a:rPr>
+              <a:t>Запрос для вставки новой записи в таблицу </a:t>
+            </a:r>
+            <a:r>
+              <a:rPr lang="ru-RU" dirty="0" err="1">
+                <a:latin typeface="Times New Roman" panose="02020603050405020304" pitchFamily="18" charset="0"/>
+                <a:cs typeface="Times New Roman" panose="02020603050405020304" pitchFamily="18" charset="0"/>
+              </a:rPr>
+              <a:t>Room_Booking</a:t>
+            </a:r>
             <a:endParaRPr lang="ru-RU" dirty="0">
               <a:latin typeface="Times New Roman" panose="02020603050405020304" pitchFamily="18" charset="0"/>
               <a:cs typeface="Times New Roman" panose="02020603050405020304" pitchFamily="18" charset="0"/>
@@ -3710,18 +3731,81 @@
               <a:buNone/>
             </a:pPr>
             <a:r>
-              <a:rPr lang="ru-RU" dirty="0">
-                <a:latin typeface="Times New Roman" panose="02020603050405020304" pitchFamily="18" charset="0"/>
-                <a:cs typeface="Times New Roman" panose="02020603050405020304" pitchFamily="18" charset="0"/>
-              </a:rPr>
-              <a:t>Запрос для вставки новой записи в таблицу </a:t>
-            </a:r>
-            <a:r>
-              <a:rPr lang="ru-RU" dirty="0" err="1">
+              <a:rPr lang="en-US" dirty="0">
+                <a:latin typeface="Times New Roman" panose="02020603050405020304" pitchFamily="18" charset="0"/>
+                <a:cs typeface="Times New Roman" panose="02020603050405020304" pitchFamily="18" charset="0"/>
+              </a:rPr>
+              <a:t>INSERT INTO </a:t>
+            </a:r>
+            <a:r>
+              <a:rPr lang="en-US" dirty="0" err="1">
                 <a:latin typeface="Times New Roman" panose="02020603050405020304" pitchFamily="18" charset="0"/>
                 <a:cs typeface="Times New Roman" panose="02020603050405020304" pitchFamily="18" charset="0"/>
               </a:rPr>
               <a:t>Room_Booking</a:t>
+            </a:r>
+            <a:r>
+              <a:rPr lang="en-US" dirty="0">
+                <a:latin typeface="Times New Roman" panose="02020603050405020304" pitchFamily="18" charset="0"/>
+                <a:cs typeface="Times New Roman" panose="02020603050405020304" pitchFamily="18" charset="0"/>
+              </a:rPr>
+              <a:t> (</a:t>
+            </a:r>
+            <a:r>
+              <a:rPr lang="en-US" dirty="0" err="1">
+                <a:latin typeface="Times New Roman" panose="02020603050405020304" pitchFamily="18" charset="0"/>
+                <a:cs typeface="Times New Roman" panose="02020603050405020304" pitchFamily="18" charset="0"/>
+              </a:rPr>
+              <a:t>Client_ID_FK</a:t>
+            </a:r>
+            <a:r>
+              <a:rPr lang="en-US" dirty="0">
+                <a:latin typeface="Times New Roman" panose="02020603050405020304" pitchFamily="18" charset="0"/>
+                <a:cs typeface="Times New Roman" panose="02020603050405020304" pitchFamily="18" charset="0"/>
+              </a:rPr>
+              <a:t>, </a:t>
+            </a:r>
+            <a:r>
+              <a:rPr lang="en-US" dirty="0" err="1">
+                <a:latin typeface="Times New Roman" panose="02020603050405020304" pitchFamily="18" charset="0"/>
+                <a:cs typeface="Times New Roman" panose="02020603050405020304" pitchFamily="18" charset="0"/>
+              </a:rPr>
+              <a:t>Room_ID_FK</a:t>
+            </a:r>
+            <a:r>
+              <a:rPr lang="en-US" dirty="0">
+                <a:latin typeface="Times New Roman" panose="02020603050405020304" pitchFamily="18" charset="0"/>
+                <a:cs typeface="Times New Roman" panose="02020603050405020304" pitchFamily="18" charset="0"/>
+              </a:rPr>
+              <a:t>, </a:t>
+            </a:r>
+            <a:r>
+              <a:rPr lang="en-US" dirty="0" err="1">
+                <a:latin typeface="Times New Roman" panose="02020603050405020304" pitchFamily="18" charset="0"/>
+                <a:cs typeface="Times New Roman" panose="02020603050405020304" pitchFamily="18" charset="0"/>
+              </a:rPr>
+              <a:t>Check_In_Date</a:t>
+            </a:r>
+            <a:r>
+              <a:rPr lang="en-US" dirty="0">
+                <a:latin typeface="Times New Roman" panose="02020603050405020304" pitchFamily="18" charset="0"/>
+                <a:cs typeface="Times New Roman" panose="02020603050405020304" pitchFamily="18" charset="0"/>
+              </a:rPr>
+              <a:t>, </a:t>
+            </a:r>
+            <a:r>
+              <a:rPr lang="en-US" dirty="0" err="1">
+                <a:latin typeface="Times New Roman" panose="02020603050405020304" pitchFamily="18" charset="0"/>
+                <a:cs typeface="Times New Roman" panose="02020603050405020304" pitchFamily="18" charset="0"/>
+              </a:rPr>
+              <a:t>Check_Out_Date</a:t>
+            </a:r>
+            <a:r>
+              <a:rPr lang="en-US" dirty="0">
+                <a:latin typeface="Times New Roman" panose="02020603050405020304" pitchFamily="18" charset="0"/>
+                <a:cs typeface="Times New Roman" panose="02020603050405020304" pitchFamily="18" charset="0"/>
+              </a:rPr>
+              <a:t>) VALUES (@ClientID, @RoomID, @CheckInDate, @CheckOutDate)</a:t>
             </a:r>
             <a:endParaRPr lang="ru-RU" dirty="0">
               <a:latin typeface="Times New Roman" panose="02020603050405020304" pitchFamily="18" charset="0"/>
@@ -3729,144 +3813,106 @@
             </a:endParaRPr>
           </a:p>
           <a:p>
+            <a:r>
+              <a:rPr lang="ru-RU" dirty="0">
+                <a:latin typeface="Times New Roman" panose="02020603050405020304" pitchFamily="18" charset="0"/>
+                <a:cs typeface="Times New Roman" panose="02020603050405020304" pitchFamily="18" charset="0"/>
+              </a:rPr>
+              <a:t>Запрос для вставки новой записи в таблицу </a:t>
+            </a:r>
+            <a:r>
+              <a:rPr lang="en-US" dirty="0">
+                <a:latin typeface="Times New Roman" panose="02020603050405020304" pitchFamily="18" charset="0"/>
+                <a:cs typeface="Times New Roman" panose="02020603050405020304" pitchFamily="18" charset="0"/>
+              </a:rPr>
+              <a:t>Clients</a:t>
+            </a:r>
+          </a:p>
+          <a:p>
             <a:pPr marL="0" indent="0">
               <a:buNone/>
             </a:pPr>
+            <a:r>
+              <a:rPr lang="en-US" dirty="0">
+                <a:latin typeface="Times New Roman" panose="02020603050405020304" pitchFamily="18" charset="0"/>
+                <a:cs typeface="Times New Roman" panose="02020603050405020304" pitchFamily="18" charset="0"/>
+              </a:rPr>
+              <a:t>"INSERT INTO Clients (</a:t>
+            </a:r>
+            <a:r>
+              <a:rPr lang="en-US" dirty="0" err="1">
+                <a:latin typeface="Times New Roman" panose="02020603050405020304" pitchFamily="18" charset="0"/>
+                <a:cs typeface="Times New Roman" panose="02020603050405020304" pitchFamily="18" charset="0"/>
+              </a:rPr>
+              <a:t>Last_Name</a:t>
+            </a:r>
+            <a:r>
+              <a:rPr lang="en-US" dirty="0">
+                <a:latin typeface="Times New Roman" panose="02020603050405020304" pitchFamily="18" charset="0"/>
+                <a:cs typeface="Times New Roman" panose="02020603050405020304" pitchFamily="18" charset="0"/>
+              </a:rPr>
+              <a:t>, </a:t>
+            </a:r>
+            <a:r>
+              <a:rPr lang="en-US" dirty="0" err="1">
+                <a:latin typeface="Times New Roman" panose="02020603050405020304" pitchFamily="18" charset="0"/>
+                <a:cs typeface="Times New Roman" panose="02020603050405020304" pitchFamily="18" charset="0"/>
+              </a:rPr>
+              <a:t>First_Name</a:t>
+            </a:r>
+            <a:r>
+              <a:rPr lang="en-US" dirty="0">
+                <a:latin typeface="Times New Roman" panose="02020603050405020304" pitchFamily="18" charset="0"/>
+                <a:cs typeface="Times New Roman" panose="02020603050405020304" pitchFamily="18" charset="0"/>
+              </a:rPr>
+              <a:t>, Patronymic, </a:t>
+            </a:r>
+            <a:r>
+              <a:rPr lang="en-US" dirty="0" err="1">
+                <a:latin typeface="Times New Roman" panose="02020603050405020304" pitchFamily="18" charset="0"/>
+                <a:cs typeface="Times New Roman" panose="02020603050405020304" pitchFamily="18" charset="0"/>
+              </a:rPr>
+              <a:t>Birth_Date</a:t>
+            </a:r>
+            <a:r>
+              <a:rPr lang="en-US" dirty="0">
+                <a:latin typeface="Times New Roman" panose="02020603050405020304" pitchFamily="18" charset="0"/>
+                <a:cs typeface="Times New Roman" panose="02020603050405020304" pitchFamily="18" charset="0"/>
+              </a:rPr>
+              <a:t>, </a:t>
+            </a:r>
+            <a:r>
+              <a:rPr lang="en-US" dirty="0" err="1">
+                <a:latin typeface="Times New Roman" panose="02020603050405020304" pitchFamily="18" charset="0"/>
+                <a:cs typeface="Times New Roman" panose="02020603050405020304" pitchFamily="18" charset="0"/>
+              </a:rPr>
+              <a:t>Passport_Series</a:t>
+            </a:r>
+            <a:r>
+              <a:rPr lang="en-US" dirty="0">
+                <a:latin typeface="Times New Roman" panose="02020603050405020304" pitchFamily="18" charset="0"/>
+                <a:cs typeface="Times New Roman" panose="02020603050405020304" pitchFamily="18" charset="0"/>
+              </a:rPr>
+              <a:t>, </a:t>
+            </a:r>
+            <a:r>
+              <a:rPr lang="en-US" dirty="0" err="1">
+                <a:latin typeface="Times New Roman" panose="02020603050405020304" pitchFamily="18" charset="0"/>
+                <a:cs typeface="Times New Roman" panose="02020603050405020304" pitchFamily="18" charset="0"/>
+              </a:rPr>
+              <a:t>Passport_Number</a:t>
+            </a:r>
+            <a:r>
+              <a:rPr lang="en-US" dirty="0">
+                <a:latin typeface="Times New Roman" panose="02020603050405020304" pitchFamily="18" charset="0"/>
+                <a:cs typeface="Times New Roman" panose="02020603050405020304" pitchFamily="18" charset="0"/>
+              </a:rPr>
+              <a:t>, Address, Citizenship, Email) VALUES (@LastName, @FirstName, @Patronymic, @BirthDate, @PassportSeries, @PassportNumber, @Address, @Citizenship, @Email)"</a:t>
+            </a:r>
             <a:endParaRPr lang="ru-RU" dirty="0">
               <a:latin typeface="Times New Roman" panose="02020603050405020304" pitchFamily="18" charset="0"/>
               <a:cs typeface="Times New Roman" panose="02020603050405020304" pitchFamily="18" charset="0"/>
             </a:endParaRPr>
-          </a:p>
-          <a:p>
-            <a:pPr marL="0" indent="0">
-              <a:buNone/>
-            </a:pPr>
-            <a:r>
-              <a:rPr lang="en-US" dirty="0">
-                <a:latin typeface="Times New Roman" panose="02020603050405020304" pitchFamily="18" charset="0"/>
-                <a:cs typeface="Times New Roman" panose="02020603050405020304" pitchFamily="18" charset="0"/>
-              </a:rPr>
-              <a:t>INSERT INTO </a:t>
-            </a:r>
-            <a:r>
-              <a:rPr lang="en-US" dirty="0" err="1">
-                <a:latin typeface="Times New Roman" panose="02020603050405020304" pitchFamily="18" charset="0"/>
-                <a:cs typeface="Times New Roman" panose="02020603050405020304" pitchFamily="18" charset="0"/>
-              </a:rPr>
-              <a:t>Room_Booking</a:t>
-            </a:r>
-            <a:r>
-              <a:rPr lang="en-US" dirty="0">
-                <a:latin typeface="Times New Roman" panose="02020603050405020304" pitchFamily="18" charset="0"/>
-                <a:cs typeface="Times New Roman" panose="02020603050405020304" pitchFamily="18" charset="0"/>
-              </a:rPr>
-              <a:t> (</a:t>
-            </a:r>
-            <a:r>
-              <a:rPr lang="en-US" dirty="0" err="1">
-                <a:latin typeface="Times New Roman" panose="02020603050405020304" pitchFamily="18" charset="0"/>
-                <a:cs typeface="Times New Roman" panose="02020603050405020304" pitchFamily="18" charset="0"/>
-              </a:rPr>
-              <a:t>Client_ID_FK</a:t>
-            </a:r>
-            <a:r>
-              <a:rPr lang="en-US" dirty="0">
-                <a:latin typeface="Times New Roman" panose="02020603050405020304" pitchFamily="18" charset="0"/>
-                <a:cs typeface="Times New Roman" panose="02020603050405020304" pitchFamily="18" charset="0"/>
-              </a:rPr>
-              <a:t>, </a:t>
-            </a:r>
-            <a:r>
-              <a:rPr lang="en-US" dirty="0" err="1">
-                <a:latin typeface="Times New Roman" panose="02020603050405020304" pitchFamily="18" charset="0"/>
-                <a:cs typeface="Times New Roman" panose="02020603050405020304" pitchFamily="18" charset="0"/>
-              </a:rPr>
-              <a:t>Room_ID_FK</a:t>
-            </a:r>
-            <a:r>
-              <a:rPr lang="en-US" dirty="0">
-                <a:latin typeface="Times New Roman" panose="02020603050405020304" pitchFamily="18" charset="0"/>
-                <a:cs typeface="Times New Roman" panose="02020603050405020304" pitchFamily="18" charset="0"/>
-              </a:rPr>
-              <a:t>, </a:t>
-            </a:r>
-            <a:r>
-              <a:rPr lang="en-US" dirty="0" err="1">
-                <a:latin typeface="Times New Roman" panose="02020603050405020304" pitchFamily="18" charset="0"/>
-                <a:cs typeface="Times New Roman" panose="02020603050405020304" pitchFamily="18" charset="0"/>
-              </a:rPr>
-              <a:t>Check_In_Date</a:t>
-            </a:r>
-            <a:r>
-              <a:rPr lang="en-US" dirty="0">
-                <a:latin typeface="Times New Roman" panose="02020603050405020304" pitchFamily="18" charset="0"/>
-                <a:cs typeface="Times New Roman" panose="02020603050405020304" pitchFamily="18" charset="0"/>
-              </a:rPr>
-              <a:t>, </a:t>
-            </a:r>
-            <a:r>
-              <a:rPr lang="en-US" dirty="0" err="1">
-                <a:latin typeface="Times New Roman" panose="02020603050405020304" pitchFamily="18" charset="0"/>
-                <a:cs typeface="Times New Roman" panose="02020603050405020304" pitchFamily="18" charset="0"/>
-              </a:rPr>
-              <a:t>Check_Out_Date</a:t>
-            </a:r>
-            <a:r>
-              <a:rPr lang="en-US" dirty="0">
-                <a:latin typeface="Times New Roman" panose="02020603050405020304" pitchFamily="18" charset="0"/>
-                <a:cs typeface="Times New Roman" panose="02020603050405020304" pitchFamily="18" charset="0"/>
-              </a:rPr>
-              <a:t>) VALUES (@ClientID, @</a:t>
-            </a:r>
-            <a:r>
-              <a:rPr lang="en-US" dirty="0" err="1">
-                <a:latin typeface="Times New Roman" panose="02020603050405020304" pitchFamily="18" charset="0"/>
-                <a:cs typeface="Times New Roman" panose="02020603050405020304" pitchFamily="18" charset="0"/>
-              </a:rPr>
-              <a:t>RoomID</a:t>
-            </a:r>
-            <a:r>
-              <a:rPr lang="en-US" dirty="0">
-                <a:latin typeface="Times New Roman" panose="02020603050405020304" pitchFamily="18" charset="0"/>
-                <a:cs typeface="Times New Roman" panose="02020603050405020304" pitchFamily="18" charset="0"/>
-              </a:rPr>
-              <a:t>, @</a:t>
-            </a:r>
-            <a:r>
-              <a:rPr lang="en-US" dirty="0" err="1">
-                <a:latin typeface="Times New Roman" panose="02020603050405020304" pitchFamily="18" charset="0"/>
-                <a:cs typeface="Times New Roman" panose="02020603050405020304" pitchFamily="18" charset="0"/>
-              </a:rPr>
-              <a:t>CheckInDate</a:t>
-            </a:r>
-            <a:r>
-              <a:rPr lang="en-US" dirty="0">
-                <a:latin typeface="Times New Roman" panose="02020603050405020304" pitchFamily="18" charset="0"/>
-                <a:cs typeface="Times New Roman" panose="02020603050405020304" pitchFamily="18" charset="0"/>
-              </a:rPr>
-              <a:t>, @</a:t>
-            </a:r>
-            <a:r>
-              <a:rPr lang="en-US" dirty="0" err="1">
-                <a:latin typeface="Times New Roman" panose="02020603050405020304" pitchFamily="18" charset="0"/>
-                <a:cs typeface="Times New Roman" panose="02020603050405020304" pitchFamily="18" charset="0"/>
-              </a:rPr>
-              <a:t>CheckOutDate</a:t>
-            </a:r>
-            <a:r>
-              <a:rPr lang="en-US" dirty="0">
-                <a:latin typeface="Times New Roman" panose="02020603050405020304" pitchFamily="18" charset="0"/>
-                <a:cs typeface="Times New Roman" panose="02020603050405020304" pitchFamily="18" charset="0"/>
-              </a:rPr>
-              <a:t>)</a:t>
-            </a:r>
-            <a:endParaRPr lang="ru-RU" dirty="0">
-              <a:latin typeface="Times New Roman" panose="02020603050405020304" pitchFamily="18" charset="0"/>
-              <a:cs typeface="Times New Roman" panose="02020603050405020304" pitchFamily="18" charset="0"/>
-            </a:endParaRPr>
-          </a:p>
-          <a:p>
-            <a:endParaRPr lang="ru-RU" dirty="0"/>
           </a:p>
         </p:txBody>
       </p:sp>
@@ -3916,7 +3962,12 @@
             <p:ph type="title"/>
           </p:nvPr>
         </p:nvSpPr>
-        <p:spPr/>
+        <p:spPr>
+          <a:xfrm>
+            <a:off x="838200" y="18255"/>
+            <a:ext cx="10515600" cy="1325563"/>
+          </a:xfrm>
+        </p:spPr>
         <p:txBody>
           <a:bodyPr/>
           <a:lstStyle/>
@@ -3961,9 +4012,16 @@
             <p:ph idx="1"/>
           </p:nvPr>
         </p:nvSpPr>
-        <p:spPr/>
-        <p:txBody>
-          <a:bodyPr/>
+        <p:spPr>
+          <a:xfrm>
+            <a:off x="763555" y="1343818"/>
+            <a:ext cx="10515600" cy="5122296"/>
+          </a:xfrm>
+        </p:spPr>
+        <p:txBody>
+          <a:bodyPr>
+            <a:normAutofit lnSpcReduction="10000"/>
+          </a:bodyPr>
           <a:lstStyle/>
           <a:p>
             <a:pPr marL="0" indent="0">
@@ -3992,9 +4050,20 @@
             </a:r>
           </a:p>
           <a:p>
-            <a:pPr marL="0" indent="0">
-              <a:buNone/>
-            </a:pPr>
+            <a:r>
+              <a:rPr lang="ru-RU" dirty="0">
+                <a:latin typeface="Times New Roman" panose="02020603050405020304" pitchFamily="18" charset="0"/>
+                <a:cs typeface="Times New Roman" panose="02020603050405020304" pitchFamily="18" charset="0"/>
+              </a:rPr>
+              <a:t>Запрос для обновления существующей записи в таблице </a:t>
+            </a:r>
+            <a:r>
+              <a:rPr lang="ru-RU" dirty="0" err="1">
+                <a:latin typeface="Times New Roman" panose="02020603050405020304" pitchFamily="18" charset="0"/>
+                <a:cs typeface="Times New Roman" panose="02020603050405020304" pitchFamily="18" charset="0"/>
+              </a:rPr>
+              <a:t>Room_Booking</a:t>
+            </a:r>
             <a:endParaRPr lang="ru-RU" dirty="0">
               <a:latin typeface="Times New Roman" panose="02020603050405020304" pitchFamily="18" charset="0"/>
               <a:cs typeface="Times New Roman" panose="02020603050405020304" pitchFamily="18" charset="0"/>
@@ -4005,18 +4074,67 @@
               <a:buNone/>
             </a:pPr>
             <a:r>
-              <a:rPr lang="ru-RU" dirty="0">
-                <a:latin typeface="Times New Roman" panose="02020603050405020304" pitchFamily="18" charset="0"/>
-                <a:cs typeface="Times New Roman" panose="02020603050405020304" pitchFamily="18" charset="0"/>
-              </a:rPr>
-              <a:t>Запрос для обновления существующей записи в таблице </a:t>
-            </a:r>
-            <a:r>
-              <a:rPr lang="ru-RU" dirty="0" err="1">
+              <a:rPr lang="en-US" dirty="0">
+                <a:latin typeface="Times New Roman" panose="02020603050405020304" pitchFamily="18" charset="0"/>
+                <a:cs typeface="Times New Roman" panose="02020603050405020304" pitchFamily="18" charset="0"/>
+              </a:rPr>
+              <a:t>UPDATE </a:t>
+            </a:r>
+            <a:r>
+              <a:rPr lang="en-US" dirty="0" err="1">
                 <a:latin typeface="Times New Roman" panose="02020603050405020304" pitchFamily="18" charset="0"/>
                 <a:cs typeface="Times New Roman" panose="02020603050405020304" pitchFamily="18" charset="0"/>
               </a:rPr>
               <a:t>Room_Booking</a:t>
+            </a:r>
+            <a:r>
+              <a:rPr lang="en-US" dirty="0">
+                <a:latin typeface="Times New Roman" panose="02020603050405020304" pitchFamily="18" charset="0"/>
+                <a:cs typeface="Times New Roman" panose="02020603050405020304" pitchFamily="18" charset="0"/>
+              </a:rPr>
+              <a:t> SET </a:t>
+            </a:r>
+            <a:r>
+              <a:rPr lang="en-US" dirty="0" err="1">
+                <a:latin typeface="Times New Roman" panose="02020603050405020304" pitchFamily="18" charset="0"/>
+                <a:cs typeface="Times New Roman" panose="02020603050405020304" pitchFamily="18" charset="0"/>
+              </a:rPr>
+              <a:t>Client_ID_FK</a:t>
+            </a:r>
+            <a:r>
+              <a:rPr lang="en-US" dirty="0">
+                <a:latin typeface="Times New Roman" panose="02020603050405020304" pitchFamily="18" charset="0"/>
+                <a:cs typeface="Times New Roman" panose="02020603050405020304" pitchFamily="18" charset="0"/>
+              </a:rPr>
+              <a:t>=@ClientID, </a:t>
+            </a:r>
+            <a:r>
+              <a:rPr lang="en-US" dirty="0" err="1">
+                <a:latin typeface="Times New Roman" panose="02020603050405020304" pitchFamily="18" charset="0"/>
+                <a:cs typeface="Times New Roman" panose="02020603050405020304" pitchFamily="18" charset="0"/>
+              </a:rPr>
+              <a:t>Room_ID_FK</a:t>
+            </a:r>
+            <a:r>
+              <a:rPr lang="en-US" dirty="0">
+                <a:latin typeface="Times New Roman" panose="02020603050405020304" pitchFamily="18" charset="0"/>
+                <a:cs typeface="Times New Roman" panose="02020603050405020304" pitchFamily="18" charset="0"/>
+              </a:rPr>
+              <a:t>=@RoomID,Check_In_Date=@CheckInDate,Check_Out_Date=@CheckOutDate WHERE </a:t>
+            </a:r>
+            <a:r>
+              <a:rPr lang="en-US" dirty="0" err="1">
+                <a:latin typeface="Times New Roman" panose="02020603050405020304" pitchFamily="18" charset="0"/>
+                <a:cs typeface="Times New Roman" panose="02020603050405020304" pitchFamily="18" charset="0"/>
+              </a:rPr>
+              <a:t>Booking_ID_PK</a:t>
+            </a:r>
+            <a:r>
+              <a:rPr lang="en-US" dirty="0">
+                <a:latin typeface="Times New Roman" panose="02020603050405020304" pitchFamily="18" charset="0"/>
+                <a:cs typeface="Times New Roman" panose="02020603050405020304" pitchFamily="18" charset="0"/>
+              </a:rPr>
+              <a:t>=@BookingID</a:t>
             </a:r>
             <a:endParaRPr lang="ru-RU" dirty="0">
               <a:latin typeface="Times New Roman" panose="02020603050405020304" pitchFamily="18" charset="0"/>
@@ -4024,137 +4142,120 @@
             </a:endParaRPr>
           </a:p>
           <a:p>
+            <a:r>
+              <a:rPr lang="ru-RU" dirty="0">
+                <a:latin typeface="Times New Roman" panose="02020603050405020304" pitchFamily="18" charset="0"/>
+                <a:cs typeface="Times New Roman" panose="02020603050405020304" pitchFamily="18" charset="0"/>
+              </a:rPr>
+              <a:t>Запрос для обновления существующей записи в таблице </a:t>
+            </a:r>
+            <a:r>
+              <a:rPr lang="en-US" dirty="0">
+                <a:latin typeface="Times New Roman" panose="02020603050405020304" pitchFamily="18" charset="0"/>
+                <a:cs typeface="Times New Roman" panose="02020603050405020304" pitchFamily="18" charset="0"/>
+              </a:rPr>
+              <a:t>Clients</a:t>
+            </a:r>
+          </a:p>
+          <a:p>
             <a:pPr marL="0" indent="0">
               <a:buNone/>
             </a:pPr>
+            <a:r>
+              <a:rPr lang="en-US" dirty="0">
+                <a:latin typeface="Times New Roman" panose="02020603050405020304" pitchFamily="18" charset="0"/>
+                <a:cs typeface="Times New Roman" panose="02020603050405020304" pitchFamily="18" charset="0"/>
+              </a:rPr>
+              <a:t>UPDATE Clients SET </a:t>
+            </a:r>
+            <a:r>
+              <a:rPr lang="en-US" dirty="0" err="1">
+                <a:latin typeface="Times New Roman" panose="02020603050405020304" pitchFamily="18" charset="0"/>
+                <a:cs typeface="Times New Roman" panose="02020603050405020304" pitchFamily="18" charset="0"/>
+              </a:rPr>
+              <a:t>Last_Name</a:t>
+            </a:r>
+            <a:r>
+              <a:rPr lang="en-US" dirty="0">
+                <a:latin typeface="Times New Roman" panose="02020603050405020304" pitchFamily="18" charset="0"/>
+                <a:cs typeface="Times New Roman" panose="02020603050405020304" pitchFamily="18" charset="0"/>
+              </a:rPr>
+              <a:t>=@LastName, </a:t>
+            </a:r>
+            <a:r>
+              <a:rPr lang="en-US" dirty="0" err="1">
+                <a:latin typeface="Times New Roman" panose="02020603050405020304" pitchFamily="18" charset="0"/>
+                <a:cs typeface="Times New Roman" panose="02020603050405020304" pitchFamily="18" charset="0"/>
+              </a:rPr>
+              <a:t>First_Name</a:t>
+            </a:r>
+            <a:r>
+              <a:rPr lang="en-US" dirty="0">
+                <a:latin typeface="Times New Roman" panose="02020603050405020304" pitchFamily="18" charset="0"/>
+                <a:cs typeface="Times New Roman" panose="02020603050405020304" pitchFamily="18" charset="0"/>
+              </a:rPr>
+              <a:t>=@FirstName, Patronymic=@Patronymic, </a:t>
+            </a:r>
+            <a:r>
+              <a:rPr lang="en-US" dirty="0" err="1">
+                <a:latin typeface="Times New Roman" panose="02020603050405020304" pitchFamily="18" charset="0"/>
+                <a:cs typeface="Times New Roman" panose="02020603050405020304" pitchFamily="18" charset="0"/>
+              </a:rPr>
+              <a:t>Birth_Date</a:t>
+            </a:r>
+            <a:r>
+              <a:rPr lang="en-US" dirty="0">
+                <a:latin typeface="Times New Roman" panose="02020603050405020304" pitchFamily="18" charset="0"/>
+                <a:cs typeface="Times New Roman" panose="02020603050405020304" pitchFamily="18" charset="0"/>
+              </a:rPr>
+              <a:t>=@BirthDate, </a:t>
+            </a:r>
+            <a:r>
+              <a:rPr lang="en-US" dirty="0" err="1">
+                <a:latin typeface="Times New Roman" panose="02020603050405020304" pitchFamily="18" charset="0"/>
+                <a:cs typeface="Times New Roman" panose="02020603050405020304" pitchFamily="18" charset="0"/>
+              </a:rPr>
+              <a:t>Passport_Series</a:t>
+            </a:r>
+            <a:r>
+              <a:rPr lang="en-US" dirty="0">
+                <a:latin typeface="Times New Roman" panose="02020603050405020304" pitchFamily="18" charset="0"/>
+                <a:cs typeface="Times New Roman" panose="02020603050405020304" pitchFamily="18" charset="0"/>
+              </a:rPr>
+              <a:t>=@PassportSeries, </a:t>
+            </a:r>
+            <a:r>
+              <a:rPr lang="en-US" dirty="0" err="1">
+                <a:latin typeface="Times New Roman" panose="02020603050405020304" pitchFamily="18" charset="0"/>
+                <a:cs typeface="Times New Roman" panose="02020603050405020304" pitchFamily="18" charset="0"/>
+              </a:rPr>
+              <a:t>Passport_Number</a:t>
+            </a:r>
+            <a:r>
+              <a:rPr lang="en-US" dirty="0">
+                <a:latin typeface="Times New Roman" panose="02020603050405020304" pitchFamily="18" charset="0"/>
+                <a:cs typeface="Times New Roman" panose="02020603050405020304" pitchFamily="18" charset="0"/>
+              </a:rPr>
+              <a:t>=@PassportNumber, Address=@Address, Citizenship=@Citizenship, Email=@Email WHERE </a:t>
+            </a:r>
+            <a:r>
+              <a:rPr lang="en-US" dirty="0" err="1">
+                <a:latin typeface="Times New Roman" panose="02020603050405020304" pitchFamily="18" charset="0"/>
+                <a:cs typeface="Times New Roman" panose="02020603050405020304" pitchFamily="18" charset="0"/>
+              </a:rPr>
+              <a:t>Client_ID_PK</a:t>
+            </a:r>
+            <a:r>
+              <a:rPr lang="en-US" dirty="0">
+                <a:latin typeface="Times New Roman" panose="02020603050405020304" pitchFamily="18" charset="0"/>
+                <a:cs typeface="Times New Roman" panose="02020603050405020304" pitchFamily="18" charset="0"/>
+              </a:rPr>
+              <a:t>=@ClientId</a:t>
+            </a:r>
             <a:endParaRPr lang="ru-RU" dirty="0">
               <a:latin typeface="Times New Roman" panose="02020603050405020304" pitchFamily="18" charset="0"/>
               <a:cs typeface="Times New Roman" panose="02020603050405020304" pitchFamily="18" charset="0"/>
             </a:endParaRPr>
-          </a:p>
-          <a:p>
-            <a:pPr marL="0" indent="0">
-              <a:buNone/>
-            </a:pPr>
-            <a:r>
-              <a:rPr lang="en-US" dirty="0">
-                <a:latin typeface="Times New Roman" panose="02020603050405020304" pitchFamily="18" charset="0"/>
-                <a:cs typeface="Times New Roman" panose="02020603050405020304" pitchFamily="18" charset="0"/>
-              </a:rPr>
-              <a:t>UPDATE </a:t>
-            </a:r>
-            <a:r>
-              <a:rPr lang="en-US" dirty="0" err="1">
-                <a:latin typeface="Times New Roman" panose="02020603050405020304" pitchFamily="18" charset="0"/>
-                <a:cs typeface="Times New Roman" panose="02020603050405020304" pitchFamily="18" charset="0"/>
-              </a:rPr>
-              <a:t>Room_Booking</a:t>
-            </a:r>
-            <a:r>
-              <a:rPr lang="en-US" dirty="0">
-                <a:latin typeface="Times New Roman" panose="02020603050405020304" pitchFamily="18" charset="0"/>
-                <a:cs typeface="Times New Roman" panose="02020603050405020304" pitchFamily="18" charset="0"/>
-              </a:rPr>
-              <a:t> SET </a:t>
-            </a:r>
-            <a:r>
-              <a:rPr lang="en-US" dirty="0" err="1">
-                <a:latin typeface="Times New Roman" panose="02020603050405020304" pitchFamily="18" charset="0"/>
-                <a:cs typeface="Times New Roman" panose="02020603050405020304" pitchFamily="18" charset="0"/>
-              </a:rPr>
-              <a:t>Client_ID_FK</a:t>
-            </a:r>
-            <a:r>
-              <a:rPr lang="en-US" dirty="0">
-                <a:latin typeface="Times New Roman" panose="02020603050405020304" pitchFamily="18" charset="0"/>
-                <a:cs typeface="Times New Roman" panose="02020603050405020304" pitchFamily="18" charset="0"/>
-              </a:rPr>
-              <a:t>=@ClientID, </a:t>
-            </a:r>
-            <a:r>
-              <a:rPr lang="en-US" dirty="0" err="1">
-                <a:latin typeface="Times New Roman" panose="02020603050405020304" pitchFamily="18" charset="0"/>
-                <a:cs typeface="Times New Roman" panose="02020603050405020304" pitchFamily="18" charset="0"/>
-              </a:rPr>
-              <a:t>Room_ID_FK</a:t>
-            </a:r>
-            <a:r>
-              <a:rPr lang="en-US" dirty="0">
-                <a:latin typeface="Times New Roman" panose="02020603050405020304" pitchFamily="18" charset="0"/>
-                <a:cs typeface="Times New Roman" panose="02020603050405020304" pitchFamily="18" charset="0"/>
-              </a:rPr>
-              <a:t>=@</a:t>
-            </a:r>
-            <a:r>
-              <a:rPr lang="en-US" dirty="0" err="1">
-                <a:latin typeface="Times New Roman" panose="02020603050405020304" pitchFamily="18" charset="0"/>
-                <a:cs typeface="Times New Roman" panose="02020603050405020304" pitchFamily="18" charset="0"/>
-              </a:rPr>
-              <a:t>RoomID,Check_In_Date</a:t>
-            </a:r>
-            <a:r>
-              <a:rPr lang="en-US" dirty="0">
-                <a:latin typeface="Times New Roman" panose="02020603050405020304" pitchFamily="18" charset="0"/>
-                <a:cs typeface="Times New Roman" panose="02020603050405020304" pitchFamily="18" charset="0"/>
-              </a:rPr>
-              <a:t>=@</a:t>
-            </a:r>
-            <a:r>
-              <a:rPr lang="en-US" dirty="0" err="1">
-                <a:latin typeface="Times New Roman" panose="02020603050405020304" pitchFamily="18" charset="0"/>
-                <a:cs typeface="Times New Roman" panose="02020603050405020304" pitchFamily="18" charset="0"/>
-              </a:rPr>
-              <a:t>CheckInDate,Check_Out_Date</a:t>
-            </a:r>
-            <a:r>
-              <a:rPr lang="en-US" dirty="0">
-                <a:latin typeface="Times New Roman" panose="02020603050405020304" pitchFamily="18" charset="0"/>
-                <a:cs typeface="Times New Roman" panose="02020603050405020304" pitchFamily="18" charset="0"/>
-              </a:rPr>
-              <a:t>=@</a:t>
-            </a:r>
-            <a:r>
-              <a:rPr lang="en-US" dirty="0" err="1">
-                <a:latin typeface="Times New Roman" panose="02020603050405020304" pitchFamily="18" charset="0"/>
-                <a:cs typeface="Times New Roman" panose="02020603050405020304" pitchFamily="18" charset="0"/>
-              </a:rPr>
-              <a:t>CheckOutDate</a:t>
-            </a:r>
-            <a:r>
-              <a:rPr lang="en-US" dirty="0">
-                <a:latin typeface="Times New Roman" panose="02020603050405020304" pitchFamily="18" charset="0"/>
-                <a:cs typeface="Times New Roman" panose="02020603050405020304" pitchFamily="18" charset="0"/>
-              </a:rPr>
-              <a:t> WHERE </a:t>
-            </a:r>
-            <a:r>
-              <a:rPr lang="en-US" dirty="0" err="1">
-                <a:latin typeface="Times New Roman" panose="02020603050405020304" pitchFamily="18" charset="0"/>
-                <a:cs typeface="Times New Roman" panose="02020603050405020304" pitchFamily="18" charset="0"/>
-              </a:rPr>
-              <a:t>Booking_ID_PK</a:t>
-            </a:r>
-            <a:r>
-              <a:rPr lang="en-US" dirty="0">
-                <a:latin typeface="Times New Roman" panose="02020603050405020304" pitchFamily="18" charset="0"/>
-                <a:cs typeface="Times New Roman" panose="02020603050405020304" pitchFamily="18" charset="0"/>
-              </a:rPr>
-              <a:t>=@</a:t>
-            </a:r>
-            <a:r>
-              <a:rPr lang="en-US" dirty="0" err="1">
-                <a:latin typeface="Times New Roman" panose="02020603050405020304" pitchFamily="18" charset="0"/>
-                <a:cs typeface="Times New Roman" panose="02020603050405020304" pitchFamily="18" charset="0"/>
-              </a:rPr>
-              <a:t>BookingID</a:t>
-            </a:r>
-            <a:endParaRPr lang="ru-RU" dirty="0">
-              <a:latin typeface="Times New Roman" panose="02020603050405020304" pitchFamily="18" charset="0"/>
-              <a:cs typeface="Times New Roman" panose="02020603050405020304" pitchFamily="18" charset="0"/>
-            </a:endParaRPr>
-          </a:p>
-          <a:p>
-            <a:endParaRPr lang="ru-RU" dirty="0"/>
           </a:p>
         </p:txBody>
       </p:sp>
@@ -4204,7 +4305,12 @@
             <p:ph type="title"/>
           </p:nvPr>
         </p:nvSpPr>
-        <p:spPr/>
+        <p:spPr>
+          <a:xfrm>
+            <a:off x="838200" y="85207"/>
+            <a:ext cx="10515600" cy="1325563"/>
+          </a:xfrm>
+        </p:spPr>
         <p:txBody>
           <a:bodyPr/>
           <a:lstStyle/>
@@ -4251,8 +4357,8 @@
         </p:nvSpPr>
         <p:spPr>
           <a:xfrm>
-            <a:off x="838200" y="1825625"/>
-            <a:ext cx="10977282" cy="4351338"/>
+            <a:off x="838200" y="1410770"/>
+            <a:ext cx="10153261" cy="4766193"/>
           </a:xfrm>
         </p:spPr>
         <p:txBody>
@@ -4283,6 +4389,10 @@
               </a:rPr>
               <a:t>)</a:t>
             </a:r>
+            <a:endParaRPr lang="en-US" b="1" dirty="0">
+              <a:latin typeface="Times New Roman" panose="02020603050405020304" pitchFamily="18" charset="0"/>
+              <a:cs typeface="Times New Roman" panose="02020603050405020304" pitchFamily="18" charset="0"/>
+            </a:endParaRPr>
           </a:p>
           <a:p>
             <a:pPr marL="0" indent="0">
@@ -4294,9 +4404,6 @@
             </a:endParaRPr>
           </a:p>
           <a:p>
-            <a:pPr marL="0" indent="0">
-              <a:buNone/>
-            </a:pPr>
             <a:r>
               <a:rPr lang="ru-RU" dirty="0">
                 <a:latin typeface="Times New Roman" panose="02020603050405020304" pitchFamily="18" charset="0"/>
@@ -4320,12 +4427,63 @@
             <a:pPr marL="0" indent="0">
               <a:buNone/>
             </a:pPr>
+            <a:r>
+              <a:rPr lang="en-US" dirty="0">
+                <a:latin typeface="Times New Roman" panose="02020603050405020304" pitchFamily="18" charset="0"/>
+                <a:cs typeface="Times New Roman" panose="02020603050405020304" pitchFamily="18" charset="0"/>
+              </a:rPr>
+              <a:t>DELETE FROM </a:t>
+            </a:r>
+            <a:r>
+              <a:rPr lang="en-US" dirty="0" err="1">
+                <a:latin typeface="Times New Roman" panose="02020603050405020304" pitchFamily="18" charset="0"/>
+                <a:cs typeface="Times New Roman" panose="02020603050405020304" pitchFamily="18" charset="0"/>
+              </a:rPr>
+              <a:t>Booking_Service</a:t>
+            </a:r>
+            <a:r>
+              <a:rPr lang="en-US" dirty="0">
+                <a:latin typeface="Times New Roman" panose="02020603050405020304" pitchFamily="18" charset="0"/>
+                <a:cs typeface="Times New Roman" panose="02020603050405020304" pitchFamily="18" charset="0"/>
+              </a:rPr>
+              <a:t> WHERE </a:t>
+            </a:r>
+            <a:r>
+              <a:rPr lang="en-US" dirty="0" err="1">
+                <a:latin typeface="Times New Roman" panose="02020603050405020304" pitchFamily="18" charset="0"/>
+                <a:cs typeface="Times New Roman" panose="02020603050405020304" pitchFamily="18" charset="0"/>
+              </a:rPr>
+              <a:t>Booking_ID_FK</a:t>
+            </a:r>
+            <a:r>
+              <a:rPr lang="en-US" dirty="0">
+                <a:latin typeface="Times New Roman" panose="02020603050405020304" pitchFamily="18" charset="0"/>
+                <a:cs typeface="Times New Roman" panose="02020603050405020304" pitchFamily="18" charset="0"/>
+              </a:rPr>
+              <a:t>=@BookingID</a:t>
+            </a:r>
             <a:endParaRPr lang="ru-RU" dirty="0">
               <a:latin typeface="Times New Roman" panose="02020603050405020304" pitchFamily="18" charset="0"/>
               <a:cs typeface="Times New Roman" panose="02020603050405020304" pitchFamily="18" charset="0"/>
             </a:endParaRPr>
           </a:p>
           <a:p>
+            <a:r>
+              <a:rPr lang="ru-RU" dirty="0">
+                <a:latin typeface="Times New Roman" panose="02020603050405020304" pitchFamily="18" charset="0"/>
+                <a:cs typeface="Times New Roman" panose="02020603050405020304" pitchFamily="18" charset="0"/>
+              </a:rPr>
+              <a:t>Запрос для удаления записей из таблицы </a:t>
+            </a:r>
+            <a:r>
+              <a:rPr lang="en-US" dirty="0">
+                <a:latin typeface="Times New Roman" panose="02020603050405020304" pitchFamily="18" charset="0"/>
+                <a:cs typeface="Times New Roman" panose="02020603050405020304" pitchFamily="18" charset="0"/>
+              </a:rPr>
+              <a:t>Clients</a:t>
+            </a:r>
+          </a:p>
+          <a:p>
             <a:pPr marL="0" indent="0">
               <a:buNone/>
             </a:pPr>
@@ -4334,50 +4492,31 @@
                 <a:latin typeface="Times New Roman" panose="02020603050405020304" pitchFamily="18" charset="0"/>
                 <a:cs typeface="Times New Roman" panose="02020603050405020304" pitchFamily="18" charset="0"/>
               </a:rPr>
-              <a:t>DELETE FROM </a:t>
-            </a:r>
+              <a:t>DELETE FROM Clients WHERE </a:t>
+            </a:r>
+          </a:p>
+          <a:p>
+            <a:pPr marL="0" indent="0">
+              <a:buNone/>
+            </a:pPr>
             <a:r>
               <a:rPr lang="en-US" dirty="0" err="1">
                 <a:latin typeface="Times New Roman" panose="02020603050405020304" pitchFamily="18" charset="0"/>
                 <a:cs typeface="Times New Roman" panose="02020603050405020304" pitchFamily="18" charset="0"/>
               </a:rPr>
-              <a:t>Booking_Service</a:t>
+              <a:t>Client_ID_PK</a:t>
             </a:r>
             <a:r>
               <a:rPr lang="en-US" dirty="0">
                 <a:latin typeface="Times New Roman" panose="02020603050405020304" pitchFamily="18" charset="0"/>
                 <a:cs typeface="Times New Roman" panose="02020603050405020304" pitchFamily="18" charset="0"/>
               </a:rPr>
-              <a:t> WHERE </a:t>
-            </a:r>
-            <a:r>
-              <a:rPr lang="en-US" dirty="0" err="1">
-                <a:latin typeface="Times New Roman" panose="02020603050405020304" pitchFamily="18" charset="0"/>
-                <a:cs typeface="Times New Roman" panose="02020603050405020304" pitchFamily="18" charset="0"/>
-              </a:rPr>
-              <a:t>Booking_ID_FK</a:t>
-            </a:r>
-            <a:r>
-              <a:rPr lang="en-US" dirty="0">
-                <a:latin typeface="Times New Roman" panose="02020603050405020304" pitchFamily="18" charset="0"/>
-                <a:cs typeface="Times New Roman" panose="02020603050405020304" pitchFamily="18" charset="0"/>
-              </a:rPr>
-              <a:t>=@</a:t>
-            </a:r>
-            <a:r>
-              <a:rPr lang="en-US" dirty="0" err="1">
-                <a:latin typeface="Times New Roman" panose="02020603050405020304" pitchFamily="18" charset="0"/>
-                <a:cs typeface="Times New Roman" panose="02020603050405020304" pitchFamily="18" charset="0"/>
-              </a:rPr>
-              <a:t>BookingID</a:t>
+              <a:t>=@ClientId</a:t>
             </a:r>
             <a:endParaRPr lang="ru-RU" dirty="0">
               <a:latin typeface="Times New Roman" panose="02020603050405020304" pitchFamily="18" charset="0"/>
               <a:cs typeface="Times New Roman" panose="02020603050405020304" pitchFamily="18" charset="0"/>
             </a:endParaRPr>
-          </a:p>
-          <a:p>
-            <a:endParaRPr lang="ru-RU" dirty="0"/>
           </a:p>
         </p:txBody>
       </p:sp>
@@ -4427,7 +4566,12 @@
             <p:ph type="title"/>
           </p:nvPr>
         </p:nvSpPr>
-        <p:spPr/>
+        <p:spPr>
+          <a:xfrm>
+            <a:off x="838200" y="48880"/>
+            <a:ext cx="10515600" cy="1325563"/>
+          </a:xfrm>
+        </p:spPr>
         <p:txBody>
           <a:bodyPr/>
           <a:lstStyle/>
@@ -4466,8 +4610,8 @@
         </p:blipFill>
         <p:spPr>
           <a:xfrm>
-            <a:off x="838200" y="3428998"/>
-            <a:ext cx="2838171" cy="2851665"/>
+            <a:off x="102636" y="2418177"/>
+            <a:ext cx="3844213" cy="3870655"/>
           </a:xfrm>
           <a:prstGeom prst="rect">
             <a:avLst/>
@@ -4494,8 +4638,8 @@
         </p:blipFill>
         <p:spPr>
           <a:xfrm>
-            <a:off x="4778188" y="3428997"/>
-            <a:ext cx="2838171" cy="2851665"/>
+            <a:off x="4173893" y="2418177"/>
+            <a:ext cx="3844213" cy="3870654"/>
           </a:xfrm>
           <a:prstGeom prst="rect">
             <a:avLst/>
@@ -4522,8 +4666,8 @@
         </p:blipFill>
         <p:spPr>
           <a:xfrm>
-            <a:off x="8718176" y="3428997"/>
-            <a:ext cx="2838171" cy="2851665"/>
+            <a:off x="8142514" y="2418176"/>
+            <a:ext cx="3844213" cy="3870655"/>
           </a:xfrm>
           <a:prstGeom prst="rect">
             <a:avLst/>
@@ -4544,7 +4688,7 @@
         </p:nvSpPr>
         <p:spPr>
           <a:xfrm>
-            <a:off x="681318" y="1783977"/>
+            <a:off x="270587" y="1389844"/>
             <a:ext cx="6377323" cy="523220"/>
           </a:xfrm>
           <a:prstGeom prst="rect">
@@ -4658,7 +4802,7 @@
         </p:blipFill>
         <p:spPr>
           <a:xfrm>
-            <a:off x="477370" y="1824616"/>
+            <a:off x="477369" y="1712649"/>
             <a:ext cx="11237259" cy="4827196"/>
           </a:xfrm>
           <a:prstGeom prst="rect">
@@ -4752,7 +4896,7 @@
         </p:nvSpPr>
         <p:spPr>
           <a:xfrm>
-            <a:off x="838200" y="0"/>
+            <a:off x="838200" y="-130629"/>
             <a:ext cx="10515600" cy="1063953"/>
           </a:xfrm>
         </p:spPr>
@@ -4794,8 +4938,8 @@
         </p:blipFill>
         <p:spPr>
           <a:xfrm>
-            <a:off x="838200" y="1765019"/>
-            <a:ext cx="10150398" cy="5092981"/>
+            <a:off x="907402" y="1575925"/>
+            <a:ext cx="10377196" cy="5132785"/>
           </a:xfrm>
           <a:prstGeom prst="rect">
             <a:avLst/>
@@ -4816,7 +4960,7 @@
         </p:nvSpPr>
         <p:spPr>
           <a:xfrm>
-            <a:off x="510988" y="799100"/>
+            <a:off x="510988" y="621818"/>
             <a:ext cx="11170023" cy="954107"/>
           </a:xfrm>
           <a:prstGeom prst="rect">
@@ -4888,7 +5032,7 @@
         </p:nvSpPr>
         <p:spPr>
           <a:xfrm>
-            <a:off x="838199" y="145890"/>
+            <a:off x="838199" y="-20042"/>
             <a:ext cx="10515600" cy="1325563"/>
           </a:xfrm>
         </p:spPr>
@@ -4930,8 +5074,8 @@
         </p:blipFill>
         <p:spPr>
           <a:xfrm>
-            <a:off x="2145554" y="2223247"/>
-            <a:ext cx="7900891" cy="4570819"/>
+            <a:off x="1743025" y="1812700"/>
+            <a:ext cx="8705950" cy="4802704"/>
           </a:xfrm>
           <a:prstGeom prst="rect">
             <a:avLst/>
@@ -4952,7 +5096,7 @@
         </p:nvSpPr>
         <p:spPr>
           <a:xfrm>
-            <a:off x="510988" y="1471453"/>
+            <a:off x="510987" y="1126220"/>
             <a:ext cx="11170023" cy="523220"/>
           </a:xfrm>
           <a:prstGeom prst="rect">
@@ -5022,7 +5166,12 @@
             <p:ph type="title"/>
           </p:nvPr>
         </p:nvSpPr>
-        <p:spPr/>
+        <p:spPr>
+          <a:xfrm>
+            <a:off x="838198" y="152730"/>
+            <a:ext cx="10515600" cy="1325563"/>
+          </a:xfrm>
+        </p:spPr>
         <p:txBody>
           <a:bodyPr/>
           <a:lstStyle/>
@@ -5062,8 +5211,8 @@
         </p:blipFill>
         <p:spPr>
           <a:xfrm>
-            <a:off x="2032621" y="3500472"/>
-            <a:ext cx="8126757" cy="3187199"/>
+            <a:off x="1435410" y="2763354"/>
+            <a:ext cx="9321180" cy="3730752"/>
           </a:xfrm>
           <a:prstGeom prst="rect">
             <a:avLst/>
@@ -5084,7 +5233,7 @@
         </p:nvSpPr>
         <p:spPr>
           <a:xfrm>
-            <a:off x="510987" y="1690688"/>
+            <a:off x="510986" y="1233488"/>
             <a:ext cx="11170023" cy="1384995"/>
           </a:xfrm>
           <a:prstGeom prst="rect">
@@ -5155,7 +5304,12 @@
             <p:ph type="title"/>
           </p:nvPr>
         </p:nvSpPr>
-        <p:spPr/>
+        <p:spPr>
+          <a:xfrm>
+            <a:off x="838199" y="0"/>
+            <a:ext cx="10515600" cy="1325563"/>
+          </a:xfrm>
+        </p:spPr>
         <p:txBody>
           <a:bodyPr/>
           <a:lstStyle/>
@@ -5194,8 +5348,8 @@
         </p:blipFill>
         <p:spPr>
           <a:xfrm>
-            <a:off x="3908620" y="2638866"/>
-            <a:ext cx="4374760" cy="3695887"/>
+            <a:off x="3442538" y="2164704"/>
+            <a:ext cx="5306915" cy="4487292"/>
           </a:xfrm>
           <a:prstGeom prst="rect">
             <a:avLst/>
@@ -5216,7 +5370,7 @@
         </p:nvSpPr>
         <p:spPr>
           <a:xfrm>
-            <a:off x="510988" y="1690688"/>
+            <a:off x="510985" y="1325563"/>
             <a:ext cx="11170023" cy="523220"/>
           </a:xfrm>
           <a:prstGeom prst="rect">
@@ -5288,7 +5442,7 @@
         </p:nvSpPr>
         <p:spPr>
           <a:xfrm>
-            <a:off x="838199" y="0"/>
+            <a:off x="838196" y="-182430"/>
             <a:ext cx="10515600" cy="1325563"/>
           </a:xfrm>
         </p:spPr>
@@ -5330,8 +5484,8 @@
         </p:blipFill>
         <p:spPr>
           <a:xfrm>
-            <a:off x="1594807" y="2528128"/>
-            <a:ext cx="9002381" cy="4277322"/>
+            <a:off x="1383675" y="2192226"/>
+            <a:ext cx="9424649" cy="4516484"/>
           </a:xfrm>
           <a:prstGeom prst="rect">
             <a:avLst/>
@@ -5352,7 +5506,7 @@
         </p:nvSpPr>
         <p:spPr>
           <a:xfrm>
-            <a:off x="510985" y="1143133"/>
+            <a:off x="510984" y="807231"/>
             <a:ext cx="11170023" cy="1384995"/>
           </a:xfrm>
           <a:prstGeom prst="rect">
@@ -5571,7 +5725,12 @@
             <p:ph type="title"/>
           </p:nvPr>
         </p:nvSpPr>
-        <p:spPr/>
+        <p:spPr>
+          <a:xfrm>
+            <a:off x="838200" y="-129397"/>
+            <a:ext cx="10515600" cy="1325563"/>
+          </a:xfrm>
+        </p:spPr>
         <p:txBody>
           <a:bodyPr/>
           <a:lstStyle/>
@@ -5610,8 +5769,8 @@
         </p:blipFill>
         <p:spPr>
           <a:xfrm>
-            <a:off x="838200" y="2540888"/>
-            <a:ext cx="10515600" cy="4175870"/>
+            <a:off x="632148" y="2025493"/>
+            <a:ext cx="10927702" cy="4513055"/>
           </a:xfrm>
           <a:prstGeom prst="rect">
             <a:avLst/>
@@ -5632,7 +5791,7 @@
         </p:nvSpPr>
         <p:spPr>
           <a:xfrm>
-            <a:off x="510988" y="1444611"/>
+            <a:off x="510988" y="1071386"/>
             <a:ext cx="11170023" cy="954107"/>
           </a:xfrm>
           <a:prstGeom prst="rect">
@@ -5702,7 +5861,12 @@
             <p:ph type="title"/>
           </p:nvPr>
         </p:nvSpPr>
-        <p:spPr/>
+        <p:spPr>
+          <a:xfrm>
+            <a:off x="838198" y="-176000"/>
+            <a:ext cx="10515600" cy="1325563"/>
+          </a:xfrm>
+        </p:spPr>
         <p:txBody>
           <a:bodyPr/>
           <a:lstStyle/>
@@ -5741,8 +5905,8 @@
         </p:blipFill>
         <p:spPr>
           <a:xfrm>
-            <a:off x="2663978" y="3217727"/>
-            <a:ext cx="6864042" cy="3275148"/>
+            <a:off x="2372350" y="2671016"/>
+            <a:ext cx="7447293" cy="3943157"/>
           </a:xfrm>
           <a:prstGeom prst="rect">
             <a:avLst/>
@@ -5763,7 +5927,7 @@
         </p:nvSpPr>
         <p:spPr>
           <a:xfrm>
-            <a:off x="510987" y="1462540"/>
+            <a:off x="510986" y="1157143"/>
             <a:ext cx="11170023" cy="1384995"/>
           </a:xfrm>
           <a:prstGeom prst="rect">
@@ -5877,8 +6041,8 @@
         </p:blipFill>
         <p:spPr>
           <a:xfrm>
-            <a:off x="1265140" y="2427945"/>
-            <a:ext cx="4067743" cy="3991532"/>
+            <a:off x="957542" y="2204010"/>
+            <a:ext cx="4519840" cy="4430055"/>
           </a:xfrm>
           <a:prstGeom prst="rect">
             <a:avLst/>
@@ -5905,8 +6069,8 @@
         </p:blipFill>
         <p:spPr>
           <a:xfrm>
-            <a:off x="7214908" y="2456798"/>
-            <a:ext cx="4019550" cy="3933825"/>
+            <a:off x="6387958" y="2204010"/>
+            <a:ext cx="4519840" cy="4430055"/>
           </a:xfrm>
           <a:prstGeom prst="rect">
             <a:avLst/>
@@ -6134,13 +6298,13 @@
             <p:ph idx="1"/>
             <p:extLst>
               <p:ext uri="{D42A27DB-BD31-4B8C-83A1-F6EECF244321}">
-                <p14:modId xmlns:p14="http://schemas.microsoft.com/office/powerpoint/2010/main" val="32895964"/>
+                <p14:modId xmlns:p14="http://schemas.microsoft.com/office/powerpoint/2010/main" val="2590729421"/>
               </p:ext>
             </p:extLst>
           </p:nvPr>
         </p:nvGraphicFramePr>
         <p:xfrm>
-          <a:off x="161365" y="1246090"/>
+          <a:off x="161365" y="1060578"/>
           <a:ext cx="11869270" cy="5553180"/>
         </p:xfrm>
         <a:graphic>
@@ -6206,7 +6370,7 @@
                     <a:bodyPr/>
                     <a:lstStyle/>
                     <a:p>
-                      <a:pPr algn="just">
+                      <a:pPr algn="ctr">
                         <a:lnSpc>
                           <a:spcPct val="150000"/>
                         </a:lnSpc>
@@ -6237,7 +6401,7 @@
                     <a:bodyPr/>
                     <a:lstStyle/>
                     <a:p>
-                      <a:pPr algn="just">
+                      <a:pPr algn="ctr">
                         <a:lnSpc>
                           <a:spcPct val="150000"/>
                         </a:lnSpc>
@@ -6246,14 +6410,14 @@
                         </a:spcAft>
                       </a:pPr>
                       <a:r>
-                        <a:rPr lang="ru-RU" sz="2000" kern="100">
+                        <a:rPr lang="ru-RU" sz="2000" kern="100" dirty="0">
                           <a:effectLst/>
                           <a:latin typeface="Times New Roman" panose="02020603050405020304" pitchFamily="18" charset="0"/>
                           <a:cs typeface="Times New Roman" panose="02020603050405020304" pitchFamily="18" charset="0"/>
                         </a:rPr>
                         <a:t>C++</a:t>
                       </a:r>
-                      <a:endParaRPr lang="ru-RU" sz="2000" kern="100">
+                      <a:endParaRPr lang="ru-RU" sz="2000" kern="100" dirty="0">
                         <a:effectLst/>
                         <a:latin typeface="Times New Roman" panose="02020603050405020304" pitchFamily="18" charset="0"/>
                         <a:ea typeface="Calibri" panose="020F0502020204030204" pitchFamily="34" charset="0"/>
@@ -6268,7 +6432,7 @@
                     <a:bodyPr/>
                     <a:lstStyle/>
                     <a:p>
-                      <a:pPr algn="just">
+                      <a:pPr algn="ctr">
                         <a:lnSpc>
                           <a:spcPct val="150000"/>
                         </a:lnSpc>
@@ -6277,14 +6441,14 @@
                         </a:spcAft>
                       </a:pPr>
                       <a:r>
-                        <a:rPr lang="ru-RU" sz="2000" kern="100">
+                        <a:rPr lang="ru-RU" sz="2000" kern="100" dirty="0">
                           <a:effectLst/>
                           <a:latin typeface="Times New Roman" panose="02020603050405020304" pitchFamily="18" charset="0"/>
                           <a:cs typeface="Times New Roman" panose="02020603050405020304" pitchFamily="18" charset="0"/>
                         </a:rPr>
                         <a:t>C#</a:t>
                       </a:r>
-                      <a:endParaRPr lang="ru-RU" sz="2000" kern="100">
+                      <a:endParaRPr lang="ru-RU" sz="2000" kern="100" dirty="0">
                         <a:effectLst/>
                         <a:latin typeface="Times New Roman" panose="02020603050405020304" pitchFamily="18" charset="0"/>
                         <a:ea typeface="Calibri" panose="020F0502020204030204" pitchFamily="34" charset="0"/>
@@ -6299,7 +6463,7 @@
                     <a:bodyPr/>
                     <a:lstStyle/>
                     <a:p>
-                      <a:pPr algn="just">
+                      <a:pPr algn="ctr">
                         <a:lnSpc>
                           <a:spcPct val="150000"/>
                         </a:lnSpc>
@@ -6308,14 +6472,14 @@
                         </a:spcAft>
                       </a:pPr>
                       <a:r>
-                        <a:rPr lang="ru-RU" sz="2000" kern="100">
+                        <a:rPr lang="ru-RU" sz="2000" kern="100" dirty="0">
                           <a:effectLst/>
                           <a:latin typeface="Times New Roman" panose="02020603050405020304" pitchFamily="18" charset="0"/>
                           <a:cs typeface="Times New Roman" panose="02020603050405020304" pitchFamily="18" charset="0"/>
                         </a:rPr>
                         <a:t>Visual Studio</a:t>
                       </a:r>
-                      <a:endParaRPr lang="ru-RU" sz="2000" kern="100">
+                      <a:endParaRPr lang="ru-RU" sz="2000" kern="100" dirty="0">
                         <a:effectLst/>
                         <a:latin typeface="Times New Roman" panose="02020603050405020304" pitchFamily="18" charset="0"/>
                         <a:ea typeface="Calibri" panose="020F0502020204030204" pitchFamily="34" charset="0"/>
@@ -6330,7 +6494,7 @@
                     <a:bodyPr/>
                     <a:lstStyle/>
                     <a:p>
-                      <a:pPr algn="just">
+                      <a:pPr algn="ctr">
                         <a:lnSpc>
                           <a:spcPct val="150000"/>
                         </a:lnSpc>
@@ -6339,14 +6503,14 @@
                         </a:spcAft>
                       </a:pPr>
                       <a:r>
-                        <a:rPr lang="ru-RU" sz="2000" kern="100">
+                        <a:rPr lang="ru-RU" sz="2000" kern="100" dirty="0">
                           <a:effectLst/>
                           <a:latin typeface="Times New Roman" panose="02020603050405020304" pitchFamily="18" charset="0"/>
                           <a:cs typeface="Times New Roman" panose="02020603050405020304" pitchFamily="18" charset="0"/>
                         </a:rPr>
                         <a:t>Eclipse</a:t>
                       </a:r>
-                      <a:endParaRPr lang="ru-RU" sz="2000" kern="100">
+                      <a:endParaRPr lang="ru-RU" sz="2000" kern="100" dirty="0">
                         <a:effectLst/>
                         <a:latin typeface="Times New Roman" panose="02020603050405020304" pitchFamily="18" charset="0"/>
                         <a:ea typeface="Calibri" panose="020F0502020204030204" pitchFamily="34" charset="0"/>
@@ -6361,7 +6525,7 @@
                     <a:bodyPr/>
                     <a:lstStyle/>
                     <a:p>
-                      <a:pPr algn="just">
+                      <a:pPr algn="ctr">
                         <a:lnSpc>
                           <a:spcPct val="150000"/>
                         </a:lnSpc>
@@ -6370,14 +6534,14 @@
                         </a:spcAft>
                       </a:pPr>
                       <a:r>
-                        <a:rPr lang="ru-RU" sz="2000" kern="100">
+                        <a:rPr lang="ru-RU" sz="2000" kern="100" dirty="0" err="1">
                           <a:effectLst/>
                           <a:latin typeface="Times New Roman" panose="02020603050405020304" pitchFamily="18" charset="0"/>
                           <a:cs typeface="Times New Roman" panose="02020603050405020304" pitchFamily="18" charset="0"/>
                         </a:rPr>
                         <a:t>SQLite</a:t>
                       </a:r>
-                      <a:endParaRPr lang="ru-RU" sz="2000" kern="100">
+                      <a:endParaRPr lang="ru-RU" sz="2000" kern="100" dirty="0">
                         <a:effectLst/>
                         <a:latin typeface="Times New Roman" panose="02020603050405020304" pitchFamily="18" charset="0"/>
                         <a:ea typeface="Calibri" panose="020F0502020204030204" pitchFamily="34" charset="0"/>
@@ -6392,7 +6556,7 @@
                     <a:bodyPr/>
                     <a:lstStyle/>
                     <a:p>
-                      <a:pPr algn="just">
+                      <a:pPr algn="ctr">
                         <a:lnSpc>
                           <a:spcPct val="150000"/>
                         </a:lnSpc>
@@ -6401,14 +6565,14 @@
                         </a:spcAft>
                       </a:pPr>
                       <a:r>
-                        <a:rPr lang="ru-RU" sz="2000" kern="100">
+                        <a:rPr lang="ru-RU" sz="2000" kern="100" dirty="0">
                           <a:effectLst/>
                           <a:latin typeface="Times New Roman" panose="02020603050405020304" pitchFamily="18" charset="0"/>
                           <a:cs typeface="Times New Roman" panose="02020603050405020304" pitchFamily="18" charset="0"/>
                         </a:rPr>
                         <a:t>MySQL</a:t>
                       </a:r>
-                      <a:endParaRPr lang="ru-RU" sz="2000" kern="100">
+                      <a:endParaRPr lang="ru-RU" sz="2000" kern="100" dirty="0">
                         <a:effectLst/>
                         <a:latin typeface="Times New Roman" panose="02020603050405020304" pitchFamily="18" charset="0"/>
                         <a:ea typeface="Calibri" panose="020F0502020204030204" pitchFamily="34" charset="0"/>
@@ -6470,14 +6634,14 @@
                         </a:spcAft>
                       </a:pPr>
                       <a:r>
-                        <a:rPr lang="ru-RU" sz="2000" kern="100">
+                        <a:rPr lang="ru-RU" sz="2000" kern="100" dirty="0">
                           <a:effectLst/>
                           <a:latin typeface="Times New Roman" panose="02020603050405020304" pitchFamily="18" charset="0"/>
                           <a:cs typeface="Times New Roman" panose="02020603050405020304" pitchFamily="18" charset="0"/>
                         </a:rPr>
                         <a:t>Высокая</a:t>
                       </a:r>
-                      <a:endParaRPr lang="ru-RU" sz="2000" kern="100">
+                      <a:endParaRPr lang="ru-RU" sz="2000" kern="100" dirty="0">
                         <a:effectLst/>
                         <a:latin typeface="Times New Roman" panose="02020603050405020304" pitchFamily="18" charset="0"/>
                         <a:ea typeface="Calibri" panose="020F0502020204030204" pitchFamily="34" charset="0"/>
@@ -6980,14 +7144,14 @@
                         </a:spcAft>
                       </a:pPr>
                       <a:r>
-                        <a:rPr lang="ru-RU" sz="2000" kern="100">
+                        <a:rPr lang="ru-RU" sz="2000" kern="100" dirty="0">
                           <a:effectLst/>
                           <a:latin typeface="Times New Roman" panose="02020603050405020304" pitchFamily="18" charset="0"/>
                           <a:cs typeface="Times New Roman" panose="02020603050405020304" pitchFamily="18" charset="0"/>
                         </a:rPr>
                         <a:t>Высокая</a:t>
                       </a:r>
-                      <a:endParaRPr lang="ru-RU" sz="2000" kern="100">
+                      <a:endParaRPr lang="ru-RU" sz="2000" kern="100" dirty="0">
                         <a:effectLst/>
                         <a:latin typeface="Times New Roman" panose="02020603050405020304" pitchFamily="18" charset="0"/>
                         <a:ea typeface="Calibri" panose="020F0502020204030204" pitchFamily="34" charset="0"/>
@@ -7266,14 +7430,14 @@
                         </a:spcAft>
                       </a:pPr>
                       <a:r>
-                        <a:rPr lang="ru-RU" sz="2000" kern="100">
+                        <a:rPr lang="ru-RU" sz="2000" kern="100" dirty="0">
                           <a:effectLst/>
                           <a:latin typeface="Times New Roman" panose="02020603050405020304" pitchFamily="18" charset="0"/>
                           <a:cs typeface="Times New Roman" panose="02020603050405020304" pitchFamily="18" charset="0"/>
                         </a:rPr>
                         <a:t>Локальное хранилище данных</a:t>
                       </a:r>
-                      <a:endParaRPr lang="ru-RU" sz="2000" kern="100">
+                      <a:endParaRPr lang="ru-RU" sz="2000" kern="100" dirty="0">
                         <a:effectLst/>
                         <a:latin typeface="Times New Roman" panose="02020603050405020304" pitchFamily="18" charset="0"/>
                         <a:ea typeface="Calibri" panose="020F0502020204030204" pitchFamily="34" charset="0"/>
@@ -7397,14 +7561,14 @@
                         </a:spcAft>
                       </a:pPr>
                       <a:r>
-                        <a:rPr lang="ru-RU" sz="2000" kern="100">
+                        <a:rPr lang="ru-RU" sz="2000" kern="100" dirty="0">
                           <a:effectLst/>
                           <a:latin typeface="Times New Roman" panose="02020603050405020304" pitchFamily="18" charset="0"/>
                           <a:cs typeface="Times New Roman" panose="02020603050405020304" pitchFamily="18" charset="0"/>
                         </a:rPr>
                         <a:t>Высокая (автоматическая сборка мусора)</a:t>
                       </a:r>
-                      <a:endParaRPr lang="ru-RU" sz="2000" kern="100">
+                      <a:endParaRPr lang="ru-RU" sz="2000" kern="100" dirty="0">
                         <a:effectLst/>
                         <a:latin typeface="Times New Roman" panose="02020603050405020304" pitchFamily="18" charset="0"/>
                         <a:ea typeface="Calibri" panose="020F0502020204030204" pitchFamily="34" charset="0"/>
@@ -7566,7 +7730,7 @@
         </p:nvSpPr>
         <p:spPr>
           <a:xfrm>
-            <a:off x="161366" y="0"/>
+            <a:off x="161365" y="-158620"/>
             <a:ext cx="11869270" cy="1219198"/>
           </a:xfrm>
         </p:spPr>
@@ -7577,7 +7741,7 @@
           <a:lstStyle/>
           <a:p>
             <a:r>
-              <a:rPr lang="ru-RU" sz="3600" dirty="0">
+              <a:rPr lang="ru-RU" sz="3200" dirty="0">
                 <a:latin typeface="Times New Roman" panose="02020603050405020304" pitchFamily="18" charset="0"/>
                 <a:cs typeface="Times New Roman" panose="02020603050405020304" pitchFamily="18" charset="0"/>
               </a:rPr>
@@ -7672,32 +7836,45 @@
           <a:bodyPr/>
           <a:lstStyle/>
           <a:p>
+            <a:r>
+              <a:rPr lang="ru-RU" dirty="0">
+                <a:latin typeface="Times New Roman" panose="02020603050405020304" pitchFamily="18" charset="0"/>
+                <a:cs typeface="Times New Roman" panose="02020603050405020304" pitchFamily="18" charset="0"/>
+              </a:rPr>
+              <a:t>В данной курсовой работе рассматривается предметная область гостиницы.</a:t>
+            </a:r>
+          </a:p>
+          <a:p>
+            <a:r>
+              <a:rPr lang="ru-RU" dirty="0">
+                <a:latin typeface="Times New Roman" panose="02020603050405020304" pitchFamily="18" charset="0"/>
+                <a:cs typeface="Times New Roman" panose="02020603050405020304" pitchFamily="18" charset="0"/>
+              </a:rPr>
+              <a:t>Гостиница — это организация, которая предоставляет временное жильё (номера) за плату.</a:t>
+            </a:r>
+          </a:p>
+          <a:p>
+            <a:r>
+              <a:rPr lang="ru-RU" dirty="0">
+                <a:effectLst/>
+                <a:latin typeface="Times New Roman" panose="02020603050405020304" pitchFamily="18" charset="0"/>
+                <a:ea typeface="Calibri" panose="020F0502020204030204" pitchFamily="34" charset="0"/>
+                <a:cs typeface="Times New Roman" panose="02020603050405020304" pitchFamily="18" charset="0"/>
+              </a:rPr>
+              <a:t>Гостиница предоставляет комплекс услуг по проживанию: сдача в аренду номеров, уборка номеров, смена постельного белья, предоставление приборов и мебели в номерах. Также в ней могут функционировать ресторан, бар, зоны отдыха.</a:t>
+            </a:r>
+            <a:endParaRPr lang="ru-RU" dirty="0">
+              <a:effectLst/>
+              <a:latin typeface="Calibri" panose="020F0502020204030204" pitchFamily="34" charset="0"/>
+              <a:ea typeface="Calibri" panose="020F0502020204030204" pitchFamily="34" charset="0"/>
+              <a:cs typeface="Times New Roman" panose="02020603050405020304" pitchFamily="18" charset="0"/>
+            </a:endParaRPr>
+          </a:p>
+          <a:p>
             <a:endParaRPr lang="ru-RU" dirty="0">
               <a:latin typeface="Times New Roman" panose="02020603050405020304" pitchFamily="18" charset="0"/>
               <a:cs typeface="Times New Roman" panose="02020603050405020304" pitchFamily="18" charset="0"/>
             </a:endParaRPr>
-          </a:p>
-          <a:p>
-            <a:r>
-              <a:rPr lang="ru-RU" dirty="0">
-                <a:latin typeface="Times New Roman" panose="02020603050405020304" pitchFamily="18" charset="0"/>
-                <a:cs typeface="Times New Roman" panose="02020603050405020304" pitchFamily="18" charset="0"/>
-              </a:rPr>
-              <a:t>В данной курсовой работе рассматривается предметная область гостиницы.</a:t>
-            </a:r>
-            <a:br>
-              <a:rPr lang="ru-RU" dirty="0">
-                <a:latin typeface="Times New Roman" panose="02020603050405020304" pitchFamily="18" charset="0"/>
-                <a:cs typeface="Times New Roman" panose="02020603050405020304" pitchFamily="18" charset="0"/>
-              </a:rPr>
-            </a:br>
-            <a:r>
-              <a:rPr lang="ru-RU" dirty="0">
-                <a:latin typeface="Times New Roman" panose="02020603050405020304" pitchFamily="18" charset="0"/>
-                <a:cs typeface="Times New Roman" panose="02020603050405020304" pitchFamily="18" charset="0"/>
-              </a:rPr>
-              <a:t>Гостиница — это организация, которая предоставляет временное жильё (номера) за плату.</a:t>
-            </a:r>
           </a:p>
           <a:p>
             <a:endParaRPr lang="ru-RU" dirty="0"/>
@@ -7752,7 +7929,7 @@
         </p:nvSpPr>
         <p:spPr>
           <a:xfrm>
-            <a:off x="509338" y="0"/>
+            <a:off x="838200" y="-367555"/>
             <a:ext cx="10515600" cy="1325563"/>
           </a:xfrm>
         </p:spPr>
@@ -7800,8 +7977,8 @@
         </p:blipFill>
         <p:spPr>
           <a:xfrm>
-            <a:off x="986589" y="1325563"/>
-            <a:ext cx="10218821" cy="5363995"/>
+            <a:off x="1502229" y="802354"/>
+            <a:ext cx="9144000" cy="5860011"/>
           </a:xfrm>
         </p:spPr>
       </p:pic>
@@ -7851,7 +8028,12 @@
             <p:ph type="title"/>
           </p:nvPr>
         </p:nvSpPr>
-        <p:spPr/>
+        <p:spPr>
+          <a:xfrm>
+            <a:off x="838200" y="-297657"/>
+            <a:ext cx="10515600" cy="1325563"/>
+          </a:xfrm>
+        </p:spPr>
         <p:txBody>
           <a:bodyPr/>
           <a:lstStyle/>
@@ -7890,8 +8072,8 @@
         </p:blipFill>
         <p:spPr>
           <a:xfrm>
-            <a:off x="393032" y="1445543"/>
-            <a:ext cx="11405936" cy="5081170"/>
+            <a:off x="726233" y="804439"/>
+            <a:ext cx="10739534" cy="5764312"/>
           </a:xfrm>
           <a:prstGeom prst="rect">
             <a:avLst/>
@@ -7946,7 +8128,7 @@
         </p:nvSpPr>
         <p:spPr>
           <a:xfrm>
-            <a:off x="838200" y="0"/>
+            <a:off x="838200" y="-205273"/>
             <a:ext cx="10515600" cy="1325563"/>
           </a:xfrm>
         </p:spPr>
@@ -7988,14 +8170,13 @@
               </a:ext>
             </a:extLst>
           </a:blip>
-          <a:stretch>
-            <a:fillRect/>
-          </a:stretch>
+          <a:srcRect b="7638"/>
+          <a:stretch/>
         </p:blipFill>
         <p:spPr>
           <a:xfrm>
-            <a:off x="425116" y="994612"/>
-            <a:ext cx="11341768" cy="5863388"/>
+            <a:off x="1462663" y="867747"/>
+            <a:ext cx="9247732" cy="5859624"/>
           </a:xfrm>
         </p:spPr>
       </p:pic>
@@ -8426,7 +8607,12 @@
             <p:ph type="title"/>
           </p:nvPr>
         </p:nvSpPr>
-        <p:spPr/>
+        <p:spPr>
+          <a:xfrm>
+            <a:off x="838200" y="0"/>
+            <a:ext cx="10515600" cy="1325563"/>
+          </a:xfrm>
+        </p:spPr>
         <p:txBody>
           <a:bodyPr/>
           <a:lstStyle/>
@@ -8471,30 +8657,37 @@
             <p:ph idx="1"/>
           </p:nvPr>
         </p:nvSpPr>
-        <p:spPr/>
-        <p:txBody>
-          <a:bodyPr/>
+        <p:spPr>
+          <a:xfrm>
+            <a:off x="606490" y="1147666"/>
+            <a:ext cx="11196734" cy="5589036"/>
+          </a:xfrm>
+        </p:spPr>
+        <p:txBody>
+          <a:bodyPr>
+            <a:normAutofit/>
+          </a:bodyPr>
           <a:lstStyle/>
           <a:p>
             <a:pPr marL="0" indent="0">
               <a:buNone/>
             </a:pPr>
             <a:r>
-              <a:rPr lang="ru-RU" b="1" dirty="0">
+              <a:rPr lang="ru-RU" sz="2400" b="1" dirty="0">
                 <a:latin typeface="Times New Roman" panose="02020603050405020304" pitchFamily="18" charset="0"/>
                 <a:cs typeface="Times New Roman" panose="02020603050405020304" pitchFamily="18" charset="0"/>
               </a:rPr>
               <a:t>2. Запрос выборки из таблиц (</a:t>
             </a:r>
             <a:r>
-              <a:rPr lang="en-US" b="1" dirty="0">
+              <a:rPr lang="en-US" sz="2400" b="1" dirty="0">
                 <a:latin typeface="Times New Roman" panose="02020603050405020304" pitchFamily="18" charset="0"/>
                 <a:cs typeface="Times New Roman" panose="02020603050405020304" pitchFamily="18" charset="0"/>
               </a:rPr>
               <a:t>SELECT</a:t>
             </a:r>
             <a:r>
-              <a:rPr lang="ru-RU" b="1" dirty="0">
+              <a:rPr lang="ru-RU" sz="2400" b="1" dirty="0">
                 <a:latin typeface="Times New Roman" panose="02020603050405020304" pitchFamily="18" charset="0"/>
                 <a:cs typeface="Times New Roman" panose="02020603050405020304" pitchFamily="18" charset="0"/>
               </a:rPr>
@@ -8505,7 +8698,145 @@
             <a:pPr marL="0" indent="0">
               <a:buNone/>
             </a:pPr>
-            <a:endParaRPr lang="ru-RU" b="1" dirty="0">
+            <a:r>
+              <a:rPr lang="ru-RU" sz="2400" dirty="0">
+                <a:latin typeface="Times New Roman" panose="02020603050405020304" pitchFamily="18" charset="0"/>
+                <a:cs typeface="Times New Roman" panose="02020603050405020304" pitchFamily="18" charset="0"/>
+              </a:rPr>
+              <a:t>Запрос выборки данных о бронировании комнат в гостинице</a:t>
+            </a:r>
+          </a:p>
+          <a:p>
+            <a:pPr marL="0" indent="0">
+              <a:buNone/>
+            </a:pPr>
+            <a:r>
+              <a:rPr lang="en-US" sz="2400" dirty="0">
+                <a:latin typeface="Times New Roman" panose="02020603050405020304" pitchFamily="18" charset="0"/>
+                <a:cs typeface="Times New Roman" panose="02020603050405020304" pitchFamily="18" charset="0"/>
+              </a:rPr>
+              <a:t> SELECT  </a:t>
+            </a:r>
+            <a:r>
+              <a:rPr lang="en-US" sz="2400" dirty="0" err="1">
+                <a:latin typeface="Times New Roman" panose="02020603050405020304" pitchFamily="18" charset="0"/>
+                <a:cs typeface="Times New Roman" panose="02020603050405020304" pitchFamily="18" charset="0"/>
+              </a:rPr>
+              <a:t>Room_Booking.Booking_ID_PK</a:t>
+            </a:r>
+            <a:r>
+              <a:rPr lang="en-US" sz="2400" dirty="0">
+                <a:latin typeface="Times New Roman" panose="02020603050405020304" pitchFamily="18" charset="0"/>
+                <a:cs typeface="Times New Roman" panose="02020603050405020304" pitchFamily="18" charset="0"/>
+              </a:rPr>
+              <a:t>, </a:t>
+            </a:r>
+            <a:r>
+              <a:rPr lang="en-US" sz="2400" dirty="0" err="1">
+                <a:latin typeface="Times New Roman" panose="02020603050405020304" pitchFamily="18" charset="0"/>
+                <a:cs typeface="Times New Roman" panose="02020603050405020304" pitchFamily="18" charset="0"/>
+              </a:rPr>
+              <a:t>Room_Booking.Client_ID_FK</a:t>
+            </a:r>
+            <a:r>
+              <a:rPr lang="en-US" sz="2400" dirty="0">
+                <a:latin typeface="Times New Roman" panose="02020603050405020304" pitchFamily="18" charset="0"/>
+                <a:cs typeface="Times New Roman" panose="02020603050405020304" pitchFamily="18" charset="0"/>
+              </a:rPr>
+              <a:t>, </a:t>
+            </a:r>
+            <a:r>
+              <a:rPr lang="en-US" sz="2400" dirty="0" err="1">
+                <a:latin typeface="Times New Roman" panose="02020603050405020304" pitchFamily="18" charset="0"/>
+                <a:cs typeface="Times New Roman" panose="02020603050405020304" pitchFamily="18" charset="0"/>
+              </a:rPr>
+              <a:t>Clients.Last_Name</a:t>
+            </a:r>
+            <a:r>
+              <a:rPr lang="en-US" sz="2400" dirty="0">
+                <a:latin typeface="Times New Roman" panose="02020603050405020304" pitchFamily="18" charset="0"/>
+                <a:cs typeface="Times New Roman" panose="02020603050405020304" pitchFamily="18" charset="0"/>
+              </a:rPr>
+              <a:t> || ' ' || SUBSTR(</a:t>
+            </a:r>
+            <a:r>
+              <a:rPr lang="en-US" sz="2400" dirty="0" err="1">
+                <a:latin typeface="Times New Roman" panose="02020603050405020304" pitchFamily="18" charset="0"/>
+                <a:cs typeface="Times New Roman" panose="02020603050405020304" pitchFamily="18" charset="0"/>
+              </a:rPr>
+              <a:t>Clients.First_Name</a:t>
+            </a:r>
+            <a:r>
+              <a:rPr lang="en-US" sz="2400" dirty="0">
+                <a:latin typeface="Times New Roman" panose="02020603050405020304" pitchFamily="18" charset="0"/>
+                <a:cs typeface="Times New Roman" panose="02020603050405020304" pitchFamily="18" charset="0"/>
+              </a:rPr>
+              <a:t>, 1, 1) || '.' || SUBSTR(</a:t>
+            </a:r>
+            <a:r>
+              <a:rPr lang="en-US" sz="2400" dirty="0" err="1">
+                <a:latin typeface="Times New Roman" panose="02020603050405020304" pitchFamily="18" charset="0"/>
+                <a:cs typeface="Times New Roman" panose="02020603050405020304" pitchFamily="18" charset="0"/>
+              </a:rPr>
+              <a:t>Clients.Patronymic</a:t>
+            </a:r>
+            <a:r>
+              <a:rPr lang="en-US" sz="2400" dirty="0">
+                <a:latin typeface="Times New Roman" panose="02020603050405020304" pitchFamily="18" charset="0"/>
+                <a:cs typeface="Times New Roman" panose="02020603050405020304" pitchFamily="18" charset="0"/>
+              </a:rPr>
+              <a:t>, 1, 1) || '.' AS </a:t>
+            </a:r>
+            <a:r>
+              <a:rPr lang="en-US" sz="2400" dirty="0" err="1">
+                <a:latin typeface="Times New Roman" panose="02020603050405020304" pitchFamily="18" charset="0"/>
+                <a:cs typeface="Times New Roman" panose="02020603050405020304" pitchFamily="18" charset="0"/>
+              </a:rPr>
+              <a:t>Client_Name,Room_Booking.Room_ID_FK,Rooms.Room_Type</a:t>
+            </a:r>
+            <a:r>
+              <a:rPr lang="en-US" sz="2400" dirty="0">
+                <a:latin typeface="Times New Roman" panose="02020603050405020304" pitchFamily="18" charset="0"/>
+                <a:cs typeface="Times New Roman" panose="02020603050405020304" pitchFamily="18" charset="0"/>
+              </a:rPr>
+              <a:t>,</a:t>
+            </a:r>
+            <a:r>
+              <a:rPr lang="ru-RU" sz="2400" dirty="0">
+                <a:latin typeface="Times New Roman" panose="02020603050405020304" pitchFamily="18" charset="0"/>
+                <a:cs typeface="Times New Roman" panose="02020603050405020304" pitchFamily="18" charset="0"/>
+              </a:rPr>
+              <a:t> </a:t>
+            </a:r>
+            <a:r>
+              <a:rPr lang="en-US" sz="2400" dirty="0" err="1">
+                <a:latin typeface="Times New Roman" panose="02020603050405020304" pitchFamily="18" charset="0"/>
+                <a:cs typeface="Times New Roman" panose="02020603050405020304" pitchFamily="18" charset="0"/>
+              </a:rPr>
+              <a:t>Room_Booking.Check_In_Date</a:t>
+            </a:r>
+            <a:r>
+              <a:rPr lang="en-US" sz="2400" dirty="0">
+                <a:latin typeface="Times New Roman" panose="02020603050405020304" pitchFamily="18" charset="0"/>
+                <a:cs typeface="Times New Roman" panose="02020603050405020304" pitchFamily="18" charset="0"/>
+              </a:rPr>
+              <a:t>,</a:t>
+            </a:r>
+            <a:r>
+              <a:rPr lang="ru-RU" sz="2400" dirty="0">
+                <a:latin typeface="Times New Roman" panose="02020603050405020304" pitchFamily="18" charset="0"/>
+                <a:cs typeface="Times New Roman" panose="02020603050405020304" pitchFamily="18" charset="0"/>
+              </a:rPr>
+              <a:t> </a:t>
+            </a:r>
+            <a:r>
+              <a:rPr lang="en-US" sz="2400" dirty="0" err="1">
+                <a:latin typeface="Times New Roman" panose="02020603050405020304" pitchFamily="18" charset="0"/>
+                <a:cs typeface="Times New Roman" panose="02020603050405020304" pitchFamily="18" charset="0"/>
+              </a:rPr>
+              <a:t>Room_Booking.Check_Out_Date</a:t>
+            </a:r>
+            <a:endParaRPr lang="ru-RU" sz="2400" dirty="0">
               <a:latin typeface="Times New Roman" panose="02020603050405020304" pitchFamily="18" charset="0"/>
               <a:cs typeface="Times New Roman" panose="02020603050405020304" pitchFamily="18" charset="0"/>
             </a:endParaRPr>
@@ -8515,34 +8846,20 @@
               <a:buNone/>
             </a:pPr>
             <a:r>
-              <a:rPr lang="ru-RU" dirty="0">
-                <a:latin typeface="Times New Roman" panose="02020603050405020304" pitchFamily="18" charset="0"/>
-                <a:cs typeface="Times New Roman" panose="02020603050405020304" pitchFamily="18" charset="0"/>
-              </a:rPr>
-              <a:t>Запрос выборки и форматирования данных из таблицы </a:t>
-            </a:r>
-            <a:r>
-              <a:rPr lang="en-US" dirty="0">
-                <a:latin typeface="Times New Roman" panose="02020603050405020304" pitchFamily="18" charset="0"/>
-                <a:cs typeface="Times New Roman" panose="02020603050405020304" pitchFamily="18" charset="0"/>
-              </a:rPr>
-              <a:t>Additional</a:t>
-            </a:r>
-            <a:r>
-              <a:rPr lang="ru-RU" dirty="0">
-                <a:latin typeface="Times New Roman" panose="02020603050405020304" pitchFamily="18" charset="0"/>
-                <a:cs typeface="Times New Roman" panose="02020603050405020304" pitchFamily="18" charset="0"/>
-              </a:rPr>
-              <a:t>_</a:t>
-            </a:r>
-            <a:r>
-              <a:rPr lang="en-US" dirty="0">
-                <a:latin typeface="Times New Roman" panose="02020603050405020304" pitchFamily="18" charset="0"/>
-                <a:cs typeface="Times New Roman" panose="02020603050405020304" pitchFamily="18" charset="0"/>
-              </a:rPr>
-              <a:t>Service</a:t>
-            </a:r>
-            <a:endParaRPr lang="ru-RU" dirty="0">
+              <a:rPr lang="en-US" sz="2400" dirty="0">
+                <a:latin typeface="Times New Roman" panose="02020603050405020304" pitchFamily="18" charset="0"/>
+                <a:cs typeface="Times New Roman" panose="02020603050405020304" pitchFamily="18" charset="0"/>
+              </a:rPr>
+              <a:t>FROM  </a:t>
+            </a:r>
+            <a:r>
+              <a:rPr lang="en-US" sz="2400" dirty="0" err="1">
+                <a:latin typeface="Times New Roman" panose="02020603050405020304" pitchFamily="18" charset="0"/>
+                <a:cs typeface="Times New Roman" panose="02020603050405020304" pitchFamily="18" charset="0"/>
+              </a:rPr>
+              <a:t>Room_Booking</a:t>
+            </a:r>
+            <a:endParaRPr lang="en-US" sz="2400" dirty="0">
               <a:latin typeface="Times New Roman" panose="02020603050405020304" pitchFamily="18" charset="0"/>
               <a:cs typeface="Times New Roman" panose="02020603050405020304" pitchFamily="18" charset="0"/>
             </a:endParaRPr>
@@ -8551,7 +8868,35 @@
             <a:pPr marL="0" indent="0">
               <a:buNone/>
             </a:pPr>
-            <a:endParaRPr lang="ru-RU" dirty="0">
+            <a:r>
+              <a:rPr lang="en-US" sz="2400" dirty="0">
+                <a:latin typeface="Times New Roman" panose="02020603050405020304" pitchFamily="18" charset="0"/>
+                <a:cs typeface="Times New Roman" panose="02020603050405020304" pitchFamily="18" charset="0"/>
+              </a:rPr>
+              <a:t>JOIN Clients ON </a:t>
+            </a:r>
+            <a:r>
+              <a:rPr lang="en-US" sz="2400" dirty="0" err="1">
+                <a:latin typeface="Times New Roman" panose="02020603050405020304" pitchFamily="18" charset="0"/>
+                <a:cs typeface="Times New Roman" panose="02020603050405020304" pitchFamily="18" charset="0"/>
+              </a:rPr>
+              <a:t>Room_Booking.Client_ID_FK</a:t>
+            </a:r>
+            <a:r>
+              <a:rPr lang="en-US" sz="2400" dirty="0">
+                <a:latin typeface="Times New Roman" panose="02020603050405020304" pitchFamily="18" charset="0"/>
+                <a:cs typeface="Times New Roman" panose="02020603050405020304" pitchFamily="18" charset="0"/>
+              </a:rPr>
+              <a:t> = </a:t>
+            </a:r>
+            <a:r>
+              <a:rPr lang="en-US" sz="2400" dirty="0" err="1">
+                <a:latin typeface="Times New Roman" panose="02020603050405020304" pitchFamily="18" charset="0"/>
+                <a:cs typeface="Times New Roman" panose="02020603050405020304" pitchFamily="18" charset="0"/>
+              </a:rPr>
+              <a:t>Clients.Client_ID_PK</a:t>
+            </a:r>
+            <a:endParaRPr lang="en-US" sz="2400" dirty="0">
               <a:latin typeface="Times New Roman" panose="02020603050405020304" pitchFamily="18" charset="0"/>
               <a:cs typeface="Times New Roman" panose="02020603050405020304" pitchFamily="18" charset="0"/>
             </a:endParaRPr>
@@ -8561,48 +8906,34 @@
               <a:buNone/>
             </a:pPr>
             <a:r>
-              <a:rPr lang="en-US" dirty="0">
-                <a:latin typeface="Times New Roman" panose="02020603050405020304" pitchFamily="18" charset="0"/>
-                <a:cs typeface="Times New Roman" panose="02020603050405020304" pitchFamily="18" charset="0"/>
-              </a:rPr>
-              <a:t>SELECT </a:t>
-            </a:r>
-            <a:r>
-              <a:rPr lang="en-US" dirty="0" err="1">
-                <a:latin typeface="Times New Roman" panose="02020603050405020304" pitchFamily="18" charset="0"/>
-                <a:cs typeface="Times New Roman" panose="02020603050405020304" pitchFamily="18" charset="0"/>
-              </a:rPr>
-              <a:t>Service_ID_PK</a:t>
-            </a:r>
-            <a:r>
-              <a:rPr lang="en-US" dirty="0">
-                <a:latin typeface="Times New Roman" panose="02020603050405020304" pitchFamily="18" charset="0"/>
-                <a:cs typeface="Times New Roman" panose="02020603050405020304" pitchFamily="18" charset="0"/>
-              </a:rPr>
-              <a:t>, Service || ' - ' || Cost AS </a:t>
-            </a:r>
-            <a:r>
-              <a:rPr lang="en-US" dirty="0" err="1">
-                <a:latin typeface="Times New Roman" panose="02020603050405020304" pitchFamily="18" charset="0"/>
-                <a:cs typeface="Times New Roman" panose="02020603050405020304" pitchFamily="18" charset="0"/>
-              </a:rPr>
-              <a:t>DisplayService</a:t>
-            </a:r>
-            <a:r>
-              <a:rPr lang="en-US" dirty="0">
-                <a:latin typeface="Times New Roman" panose="02020603050405020304" pitchFamily="18" charset="0"/>
-                <a:cs typeface="Times New Roman" panose="02020603050405020304" pitchFamily="18" charset="0"/>
-              </a:rPr>
-              <a:t> FROM </a:t>
-            </a:r>
-            <a:r>
-              <a:rPr lang="en-US" dirty="0" err="1">
-                <a:latin typeface="Times New Roman" panose="02020603050405020304" pitchFamily="18" charset="0"/>
-                <a:cs typeface="Times New Roman" panose="02020603050405020304" pitchFamily="18" charset="0"/>
-              </a:rPr>
-              <a:t>Additional_Services</a:t>
-            </a:r>
-            <a:endParaRPr lang="ru-RU" dirty="0">
+              <a:rPr lang="en-US" sz="2400" dirty="0">
+                <a:latin typeface="Times New Roman" panose="02020603050405020304" pitchFamily="18" charset="0"/>
+                <a:cs typeface="Times New Roman" panose="02020603050405020304" pitchFamily="18" charset="0"/>
+              </a:rPr>
+              <a:t>JOIN Rooms ON </a:t>
+            </a:r>
+            <a:r>
+              <a:rPr lang="en-US" sz="2400" dirty="0" err="1">
+                <a:latin typeface="Times New Roman" panose="02020603050405020304" pitchFamily="18" charset="0"/>
+                <a:cs typeface="Times New Roman" panose="02020603050405020304" pitchFamily="18" charset="0"/>
+              </a:rPr>
+              <a:t>Room_Booking.Room_ID_FK</a:t>
+            </a:r>
+            <a:r>
+              <a:rPr lang="en-US" sz="2400" dirty="0">
+                <a:latin typeface="Times New Roman" panose="02020603050405020304" pitchFamily="18" charset="0"/>
+                <a:cs typeface="Times New Roman" panose="02020603050405020304" pitchFamily="18" charset="0"/>
+              </a:rPr>
+              <a:t> = </a:t>
+            </a:r>
+            <a:r>
+              <a:rPr lang="en-US" sz="2400" dirty="0" err="1">
+                <a:latin typeface="Times New Roman" panose="02020603050405020304" pitchFamily="18" charset="0"/>
+                <a:cs typeface="Times New Roman" panose="02020603050405020304" pitchFamily="18" charset="0"/>
+              </a:rPr>
+              <a:t>Rooms.Room_ID_PK</a:t>
+            </a:r>
+            <a:endParaRPr lang="en-US" sz="2400" dirty="0">
               <a:latin typeface="Times New Roman" panose="02020603050405020304" pitchFamily="18" charset="0"/>
               <a:cs typeface="Times New Roman" panose="02020603050405020304" pitchFamily="18" charset="0"/>
             </a:endParaRPr>
@@ -8611,7 +8942,80 @@
             <a:pPr marL="0" indent="0">
               <a:buNone/>
             </a:pPr>
-            <a:endParaRPr lang="ru-RU" dirty="0"/>
+            <a:r>
+              <a:rPr lang="en-US" sz="2400" dirty="0">
+                <a:latin typeface="Times New Roman" panose="02020603050405020304" pitchFamily="18" charset="0"/>
+                <a:cs typeface="Times New Roman" panose="02020603050405020304" pitchFamily="18" charset="0"/>
+              </a:rPr>
+              <a:t>WHERE </a:t>
+            </a:r>
+            <a:r>
+              <a:rPr lang="en-US" sz="2400" dirty="0" err="1">
+                <a:latin typeface="Times New Roman" panose="02020603050405020304" pitchFamily="18" charset="0"/>
+                <a:cs typeface="Times New Roman" panose="02020603050405020304" pitchFamily="18" charset="0"/>
+              </a:rPr>
+              <a:t>Clients.First_Name</a:t>
+            </a:r>
+            <a:r>
+              <a:rPr lang="en-US" sz="2400" dirty="0">
+                <a:latin typeface="Times New Roman" panose="02020603050405020304" pitchFamily="18" charset="0"/>
+                <a:cs typeface="Times New Roman" panose="02020603050405020304" pitchFamily="18" charset="0"/>
+              </a:rPr>
+              <a:t> LIKE @firstName AND </a:t>
+            </a:r>
+          </a:p>
+          <a:p>
+            <a:pPr marL="0" indent="0">
+              <a:buNone/>
+            </a:pPr>
+            <a:r>
+              <a:rPr lang="en-US" sz="2400" dirty="0">
+                <a:latin typeface="Times New Roman" panose="02020603050405020304" pitchFamily="18" charset="0"/>
+                <a:cs typeface="Times New Roman" panose="02020603050405020304" pitchFamily="18" charset="0"/>
+              </a:rPr>
+              <a:t>                </a:t>
+            </a:r>
+            <a:r>
+              <a:rPr lang="en-US" sz="2400" dirty="0" err="1">
+                <a:latin typeface="Times New Roman" panose="02020603050405020304" pitchFamily="18" charset="0"/>
+                <a:cs typeface="Times New Roman" panose="02020603050405020304" pitchFamily="18" charset="0"/>
+              </a:rPr>
+              <a:t>Clients.Last_Name</a:t>
+            </a:r>
+            <a:r>
+              <a:rPr lang="en-US" sz="2400" dirty="0">
+                <a:latin typeface="Times New Roman" panose="02020603050405020304" pitchFamily="18" charset="0"/>
+                <a:cs typeface="Times New Roman" panose="02020603050405020304" pitchFamily="18" charset="0"/>
+              </a:rPr>
+              <a:t> LIKE @lastName AND </a:t>
+            </a:r>
+          </a:p>
+          <a:p>
+            <a:pPr marL="0" indent="0">
+              <a:buNone/>
+            </a:pPr>
+            <a:r>
+              <a:rPr lang="en-US" sz="2400" dirty="0">
+                <a:latin typeface="Times New Roman" panose="02020603050405020304" pitchFamily="18" charset="0"/>
+                <a:cs typeface="Times New Roman" panose="02020603050405020304" pitchFamily="18" charset="0"/>
+              </a:rPr>
+              <a:t>                </a:t>
+            </a:r>
+            <a:r>
+              <a:rPr lang="en-US" sz="2400" dirty="0" err="1">
+                <a:latin typeface="Times New Roman" panose="02020603050405020304" pitchFamily="18" charset="0"/>
+                <a:cs typeface="Times New Roman" panose="02020603050405020304" pitchFamily="18" charset="0"/>
+              </a:rPr>
+              <a:t>Clients.Patronymic</a:t>
+            </a:r>
+            <a:r>
+              <a:rPr lang="en-US" sz="2400" dirty="0">
+                <a:latin typeface="Times New Roman" panose="02020603050405020304" pitchFamily="18" charset="0"/>
+                <a:cs typeface="Times New Roman" panose="02020603050405020304" pitchFamily="18" charset="0"/>
+              </a:rPr>
+              <a:t> LIKE @middleName";</a:t>
+            </a:r>
+            <a:endParaRPr lang="ru-RU" sz="2400" dirty="0"/>
           </a:p>
         </p:txBody>
       </p:sp>
